--- a/document/概要设计pre_v1.0.pptx
+++ b/document/概要设计pre_v1.0.pptx
@@ -3674,12 +3674,52 @@
               </a:tabLst>
             </a:pPr>
             <a:r>
-              <a:rPr lang="zh-CN" altLang="zh-CN" sz="1800" kern="100" dirty="0">
-                <a:effectLst/>
-                <a:latin typeface="Times New Roman" panose="02020603050405020304" pitchFamily="18" charset="0"/>
-                <a:ea typeface="宋体" panose="02010600030101010101" pitchFamily="2" charset="-122"/>
-              </a:rPr>
-              <a:t>进程管理模块 进程管理模块负责管理系统中所有的进程，包括创建、销毁、调度和通信等。它需要与内存管理模块、文件系统模块和设备驱动程序模块等进行交互。</a:t>
+              <a:rPr lang="zh-CN" altLang="zh-CN" sz="1800" b="1" kern="100" dirty="0">
+                <a:effectLst/>
+                <a:latin typeface="Times New Roman" panose="02020603050405020304" pitchFamily="18" charset="0"/>
+                <a:ea typeface="宋体" panose="02010600030101010101" pitchFamily="2" charset="-122"/>
+              </a:rPr>
+              <a:t>进程管理模块 </a:t>
+            </a:r>
+            <a:r>
+              <a:rPr lang="zh-CN" altLang="zh-CN" sz="1800" kern="100" dirty="0">
+                <a:effectLst/>
+                <a:latin typeface="Times New Roman" panose="02020603050405020304" pitchFamily="18" charset="0"/>
+                <a:ea typeface="宋体" panose="02010600030101010101" pitchFamily="2" charset="-122"/>
+              </a:rPr>
+              <a:t>进程管理模块</a:t>
+            </a:r>
+            <a:r>
+              <a:rPr lang="zh-CN" altLang="zh-CN" sz="1800" b="1" kern="100" dirty="0">
+                <a:effectLst/>
+                <a:latin typeface="Times New Roman" panose="02020603050405020304" pitchFamily="18" charset="0"/>
+                <a:ea typeface="宋体" panose="02010600030101010101" pitchFamily="2" charset="-122"/>
+              </a:rPr>
+              <a:t>负责管理系统中所有的进程</a:t>
+            </a:r>
+            <a:r>
+              <a:rPr lang="zh-CN" altLang="zh-CN" sz="1800" kern="100" dirty="0">
+                <a:effectLst/>
+                <a:latin typeface="Times New Roman" panose="02020603050405020304" pitchFamily="18" charset="0"/>
+                <a:ea typeface="宋体" panose="02010600030101010101" pitchFamily="2" charset="-122"/>
+              </a:rPr>
+              <a:t>，包括</a:t>
+            </a:r>
+            <a:r>
+              <a:rPr lang="zh-CN" altLang="zh-CN" sz="1800" b="1" kern="100" dirty="0">
+                <a:effectLst/>
+                <a:latin typeface="Times New Roman" panose="02020603050405020304" pitchFamily="18" charset="0"/>
+                <a:ea typeface="宋体" panose="02010600030101010101" pitchFamily="2" charset="-122"/>
+              </a:rPr>
+              <a:t>创建、销毁、调度</a:t>
+            </a:r>
+            <a:r>
+              <a:rPr lang="zh-CN" altLang="zh-CN" sz="1800" kern="100" dirty="0">
+                <a:effectLst/>
+                <a:latin typeface="Times New Roman" panose="02020603050405020304" pitchFamily="18" charset="0"/>
+                <a:ea typeface="宋体" panose="02010600030101010101" pitchFamily="2" charset="-122"/>
+              </a:rPr>
+              <a:t>等。它需要与内存管理模块、文件系统模块和设备驱动程序模块等进行交互。</a:t>
             </a:r>
           </a:p>
           <a:p>
@@ -3691,12 +3731,52 @@
               </a:tabLst>
             </a:pPr>
             <a:r>
-              <a:rPr lang="zh-CN" altLang="zh-CN" sz="1800" kern="100" dirty="0">
-                <a:effectLst/>
-                <a:latin typeface="Times New Roman" panose="02020603050405020304" pitchFamily="18" charset="0"/>
-                <a:ea typeface="宋体" panose="02010600030101010101" pitchFamily="2" charset="-122"/>
-              </a:rPr>
-              <a:t>内存管理模块 内存管理模块负责管理系统中的内存资源，包括分配、释放和保护等。它需要与进程管理模块和文件系统模块进行交互，以完成进程的加载和存储文件等任务。</a:t>
+              <a:rPr lang="zh-CN" altLang="zh-CN" sz="1800" b="1" kern="100" dirty="0">
+                <a:effectLst/>
+                <a:latin typeface="Times New Roman" panose="02020603050405020304" pitchFamily="18" charset="0"/>
+                <a:ea typeface="宋体" panose="02010600030101010101" pitchFamily="2" charset="-122"/>
+              </a:rPr>
+              <a:t>内存管理模块 </a:t>
+            </a:r>
+            <a:r>
+              <a:rPr lang="zh-CN" altLang="zh-CN" sz="1800" kern="100" dirty="0">
+                <a:effectLst/>
+                <a:latin typeface="Times New Roman" panose="02020603050405020304" pitchFamily="18" charset="0"/>
+                <a:ea typeface="宋体" panose="02010600030101010101" pitchFamily="2" charset="-122"/>
+              </a:rPr>
+              <a:t>内存管理模块</a:t>
+            </a:r>
+            <a:r>
+              <a:rPr lang="zh-CN" altLang="zh-CN" sz="1800" b="1" kern="100" dirty="0">
+                <a:effectLst/>
+                <a:latin typeface="Times New Roman" panose="02020603050405020304" pitchFamily="18" charset="0"/>
+                <a:ea typeface="宋体" panose="02010600030101010101" pitchFamily="2" charset="-122"/>
+              </a:rPr>
+              <a:t>负责管理系统中的内存资源</a:t>
+            </a:r>
+            <a:r>
+              <a:rPr lang="zh-CN" altLang="zh-CN" sz="1800" kern="100" dirty="0">
+                <a:effectLst/>
+                <a:latin typeface="Times New Roman" panose="02020603050405020304" pitchFamily="18" charset="0"/>
+                <a:ea typeface="宋体" panose="02010600030101010101" pitchFamily="2" charset="-122"/>
+              </a:rPr>
+              <a:t>，包括</a:t>
+            </a:r>
+            <a:r>
+              <a:rPr lang="zh-CN" altLang="zh-CN" sz="1800" b="1" kern="100" dirty="0">
+                <a:effectLst/>
+                <a:latin typeface="Times New Roman" panose="02020603050405020304" pitchFamily="18" charset="0"/>
+                <a:ea typeface="宋体" panose="02010600030101010101" pitchFamily="2" charset="-122"/>
+              </a:rPr>
+              <a:t>分配、释放和保护</a:t>
+            </a:r>
+            <a:r>
+              <a:rPr lang="zh-CN" altLang="zh-CN" sz="1800" kern="100" dirty="0">
+                <a:effectLst/>
+                <a:latin typeface="Times New Roman" panose="02020603050405020304" pitchFamily="18" charset="0"/>
+                <a:ea typeface="宋体" panose="02010600030101010101" pitchFamily="2" charset="-122"/>
+              </a:rPr>
+              <a:t>等。它需要与进程管理模块和文件系统模块进行交互，以完成进程的加载和存储文件等任务。</a:t>
             </a:r>
           </a:p>
           <a:p>
@@ -3708,12 +3788,52 @@
               </a:tabLst>
             </a:pPr>
             <a:r>
-              <a:rPr lang="zh-CN" altLang="zh-CN" sz="1800" kern="100" dirty="0">
-                <a:effectLst/>
-                <a:latin typeface="Times New Roman" panose="02020603050405020304" pitchFamily="18" charset="0"/>
-                <a:ea typeface="宋体" panose="02010600030101010101" pitchFamily="2" charset="-122"/>
-              </a:rPr>
-              <a:t>文件系统模块 文件系统模块负责管理系统中的文件和目录，包括创建、删除、读取和写入等。它需要与进程管理模块和内存管理模块进行交互，以完成文件的加载和存储等任务。</a:t>
+              <a:rPr lang="zh-CN" altLang="zh-CN" sz="1800" b="1" kern="100" dirty="0">
+                <a:effectLst/>
+                <a:latin typeface="Times New Roman" panose="02020603050405020304" pitchFamily="18" charset="0"/>
+                <a:ea typeface="宋体" panose="02010600030101010101" pitchFamily="2" charset="-122"/>
+              </a:rPr>
+              <a:t>文件系统模块 </a:t>
+            </a:r>
+            <a:r>
+              <a:rPr lang="zh-CN" altLang="zh-CN" sz="1800" kern="100" dirty="0">
+                <a:effectLst/>
+                <a:latin typeface="Times New Roman" panose="02020603050405020304" pitchFamily="18" charset="0"/>
+                <a:ea typeface="宋体" panose="02010600030101010101" pitchFamily="2" charset="-122"/>
+              </a:rPr>
+              <a:t>文件系统模块</a:t>
+            </a:r>
+            <a:r>
+              <a:rPr lang="zh-CN" altLang="zh-CN" sz="1800" b="1" kern="100" dirty="0">
+                <a:effectLst/>
+                <a:latin typeface="Times New Roman" panose="02020603050405020304" pitchFamily="18" charset="0"/>
+                <a:ea typeface="宋体" panose="02010600030101010101" pitchFamily="2" charset="-122"/>
+              </a:rPr>
+              <a:t>负责管理系统中的文件和目录</a:t>
+            </a:r>
+            <a:r>
+              <a:rPr lang="zh-CN" altLang="zh-CN" sz="1800" kern="100" dirty="0">
+                <a:effectLst/>
+                <a:latin typeface="Times New Roman" panose="02020603050405020304" pitchFamily="18" charset="0"/>
+                <a:ea typeface="宋体" panose="02010600030101010101" pitchFamily="2" charset="-122"/>
+              </a:rPr>
+              <a:t>，包括</a:t>
+            </a:r>
+            <a:r>
+              <a:rPr lang="zh-CN" altLang="zh-CN" sz="1800" b="1" kern="100" dirty="0">
+                <a:effectLst/>
+                <a:latin typeface="Times New Roman" panose="02020603050405020304" pitchFamily="18" charset="0"/>
+                <a:ea typeface="宋体" panose="02010600030101010101" pitchFamily="2" charset="-122"/>
+              </a:rPr>
+              <a:t>创建、删除、读取和写入</a:t>
+            </a:r>
+            <a:r>
+              <a:rPr lang="zh-CN" altLang="zh-CN" sz="1800" kern="100" dirty="0">
+                <a:effectLst/>
+                <a:latin typeface="Times New Roman" panose="02020603050405020304" pitchFamily="18" charset="0"/>
+                <a:ea typeface="宋体" panose="02010600030101010101" pitchFamily="2" charset="-122"/>
+              </a:rPr>
+              <a:t>等。它需要与进程管理模块和内存管理模块进行交互，以完成文件的加载和存储等任务。</a:t>
             </a:r>
           </a:p>
           <a:p>
@@ -3725,12 +3845,52 @@
               </a:tabLst>
             </a:pPr>
             <a:r>
-              <a:rPr lang="zh-CN" altLang="zh-CN" sz="1800" kern="100" dirty="0">
-                <a:effectLst/>
-                <a:latin typeface="Times New Roman" panose="02020603050405020304" pitchFamily="18" charset="0"/>
-                <a:ea typeface="宋体" panose="02010600030101010101" pitchFamily="2" charset="-122"/>
-              </a:rPr>
-              <a:t>设备驱动程序模块 设备驱动程序模块负责管理系统中的设备资源，包括输入输出设备和网络设备等。它需要与进程管理模块和文件系统模块进行交互，以完成设备的访问和管理等任务。</a:t>
+              <a:rPr lang="zh-CN" altLang="zh-CN" sz="1800" b="1" kern="100" dirty="0">
+                <a:effectLst/>
+                <a:latin typeface="Times New Roman" panose="02020603050405020304" pitchFamily="18" charset="0"/>
+                <a:ea typeface="宋体" panose="02010600030101010101" pitchFamily="2" charset="-122"/>
+              </a:rPr>
+              <a:t>设备驱动程序模块 </a:t>
+            </a:r>
+            <a:r>
+              <a:rPr lang="zh-CN" altLang="zh-CN" sz="1800" kern="100" dirty="0">
+                <a:effectLst/>
+                <a:latin typeface="Times New Roman" panose="02020603050405020304" pitchFamily="18" charset="0"/>
+                <a:ea typeface="宋体" panose="02010600030101010101" pitchFamily="2" charset="-122"/>
+              </a:rPr>
+              <a:t>设备驱动程序模块</a:t>
+            </a:r>
+            <a:r>
+              <a:rPr lang="zh-CN" altLang="zh-CN" sz="1800" b="1" kern="100" dirty="0">
+                <a:effectLst/>
+                <a:latin typeface="Times New Roman" panose="02020603050405020304" pitchFamily="18" charset="0"/>
+                <a:ea typeface="宋体" panose="02010600030101010101" pitchFamily="2" charset="-122"/>
+              </a:rPr>
+              <a:t>负责管理系统中的设备资源</a:t>
+            </a:r>
+            <a:r>
+              <a:rPr lang="zh-CN" altLang="zh-CN" sz="1800" kern="100" dirty="0">
+                <a:effectLst/>
+                <a:latin typeface="Times New Roman" panose="02020603050405020304" pitchFamily="18" charset="0"/>
+                <a:ea typeface="宋体" panose="02010600030101010101" pitchFamily="2" charset="-122"/>
+              </a:rPr>
+              <a:t>，包括输入输出设备和网络设备等。它需要与</a:t>
+            </a:r>
+            <a:r>
+              <a:rPr lang="zh-CN" altLang="zh-CN" sz="1800" b="1" kern="100" dirty="0">
+                <a:effectLst/>
+                <a:latin typeface="Times New Roman" panose="02020603050405020304" pitchFamily="18" charset="0"/>
+                <a:ea typeface="宋体" panose="02010600030101010101" pitchFamily="2" charset="-122"/>
+              </a:rPr>
+              <a:t>进程管理模块和文件系统模块</a:t>
+            </a:r>
+            <a:r>
+              <a:rPr lang="zh-CN" altLang="zh-CN" sz="1800" kern="100" dirty="0">
+                <a:effectLst/>
+                <a:latin typeface="Times New Roman" panose="02020603050405020304" pitchFamily="18" charset="0"/>
+                <a:ea typeface="宋体" panose="02010600030101010101" pitchFamily="2" charset="-122"/>
+              </a:rPr>
+              <a:t>进行交互，以完成设备的访问和管理等任务。</a:t>
             </a:r>
           </a:p>
           <a:p>
@@ -3742,12 +3902,36 @@
               </a:tabLst>
             </a:pPr>
             <a:r>
-              <a:rPr lang="zh-CN" altLang="zh-CN" sz="1800" kern="100" dirty="0">
-                <a:effectLst/>
-                <a:latin typeface="Times New Roman" panose="02020603050405020304" pitchFamily="18" charset="0"/>
-                <a:ea typeface="宋体" panose="02010600030101010101" pitchFamily="2" charset="-122"/>
-              </a:rPr>
-              <a:t>用户接口模块 用户接口模块负责与用户进行交互，包括命令行界面、图形界面和应用程序接口等。它需要与其他模块进行交互，以完成用户的请求和操作等任务。</a:t>
+              <a:rPr lang="zh-CN" altLang="zh-CN" sz="1800" b="1" kern="100" dirty="0">
+                <a:effectLst/>
+                <a:latin typeface="Times New Roman" panose="02020603050405020304" pitchFamily="18" charset="0"/>
+                <a:ea typeface="宋体" panose="02010600030101010101" pitchFamily="2" charset="-122"/>
+              </a:rPr>
+              <a:t>用户接口模块 </a:t>
+            </a:r>
+            <a:r>
+              <a:rPr lang="zh-CN" altLang="zh-CN" sz="1800" kern="100" dirty="0">
+                <a:effectLst/>
+                <a:latin typeface="Times New Roman" panose="02020603050405020304" pitchFamily="18" charset="0"/>
+                <a:ea typeface="宋体" panose="02010600030101010101" pitchFamily="2" charset="-122"/>
+              </a:rPr>
+              <a:t>用户接口模块负责与用户进行交互，包括</a:t>
+            </a:r>
+            <a:r>
+              <a:rPr lang="zh-CN" altLang="zh-CN" sz="1800" b="1" kern="100" dirty="0">
+                <a:effectLst/>
+                <a:latin typeface="Times New Roman" panose="02020603050405020304" pitchFamily="18" charset="0"/>
+                <a:ea typeface="宋体" panose="02010600030101010101" pitchFamily="2" charset="-122"/>
+              </a:rPr>
+              <a:t>命令行界面和应用程序</a:t>
+            </a:r>
+            <a:r>
+              <a:rPr lang="zh-CN" altLang="zh-CN" sz="1800" kern="100" dirty="0">
+                <a:effectLst/>
+                <a:latin typeface="Times New Roman" panose="02020603050405020304" pitchFamily="18" charset="0"/>
+                <a:ea typeface="宋体" panose="02010600030101010101" pitchFamily="2" charset="-122"/>
+              </a:rPr>
+              <a:t>接口等。它需要与其他模块进行交互，以完成用户的请求和操作等任务。</a:t>
             </a:r>
           </a:p>
         </p:txBody>
@@ -5001,18 +5185,7 @@
                 <a:latin typeface="Times New Roman" panose="02020603050405020304" pitchFamily="18" charset="0"/>
                 <a:ea typeface="宋体" panose="02010600030101010101" pitchFamily="2" charset="-122"/>
               </a:rPr>
-              <a:t>每个进程所占用的</a:t>
-            </a:r>
-            <a:r>
-              <a:rPr lang="zh-CN" altLang="zh-CN" sz="1800" b="1" kern="100" dirty="0">
-                <a:solidFill>
-                  <a:srgbClr val="FF0000"/>
-                </a:solidFill>
-                <a:effectLst/>
-                <a:latin typeface="Times New Roman" panose="02020603050405020304" pitchFamily="18" charset="0"/>
-                <a:ea typeface="宋体" panose="02010600030101010101" pitchFamily="2" charset="-122"/>
-              </a:rPr>
-              <a:t>内存块和其位置</a:t>
+              <a:t>每个进程所占用的内存块和其位置</a:t>
             </a:r>
             <a:r>
               <a:rPr lang="zh-CN" altLang="zh-CN" sz="1800" kern="100" dirty="0">
@@ -5257,8 +5430,8 @@
         </p:nvSpPr>
         <p:spPr>
           <a:xfrm>
-            <a:off x="994244" y="2274838"/>
-            <a:ext cx="9925050" cy="2308324"/>
+            <a:off x="2078272" y="2579638"/>
+            <a:ext cx="8035456" cy="2031325"/>
           </a:xfrm>
           <a:prstGeom prst="rect">
             <a:avLst/>
@@ -5309,47 +5482,6 @@
                 <a:ea typeface="宋体" panose="02010600030101010101" pitchFamily="2" charset="-122"/>
               </a:rPr>
               <a:t>等状态。可以使用不同的颜色或图标来表示不同的状态。</a:t>
-            </a:r>
-          </a:p>
-          <a:p>
-            <a:pPr marL="342900" lvl="0" indent="-342900" algn="just">
-              <a:buFont typeface="+mj-lt"/>
-              <a:buAutoNum type="arabicPeriod"/>
-              <a:tabLst>
-                <a:tab pos="457200" algn="l"/>
-              </a:tabLst>
-            </a:pPr>
-            <a:r>
-              <a:rPr lang="zh-CN" altLang="zh-CN" sz="1800" b="1" kern="100" dirty="0">
-                <a:effectLst/>
-                <a:latin typeface="Times New Roman" panose="02020603050405020304" pitchFamily="18" charset="0"/>
-                <a:ea typeface="宋体" panose="02010600030101010101" pitchFamily="2" charset="-122"/>
-              </a:rPr>
-              <a:t>设备队列</a:t>
-            </a:r>
-            <a:r>
-              <a:rPr lang="zh-CN" altLang="zh-CN" sz="1800" kern="100" dirty="0">
-                <a:effectLst/>
-                <a:latin typeface="Times New Roman" panose="02020603050405020304" pitchFamily="18" charset="0"/>
-                <a:ea typeface="宋体" panose="02010600030101010101" pitchFamily="2" charset="-122"/>
-              </a:rPr>
-              <a:t>：显示每个设备的队列情况，包括</a:t>
-            </a:r>
-            <a:r>
-              <a:rPr lang="zh-CN" altLang="zh-CN" sz="1800" b="1" kern="100" dirty="0">
-                <a:effectLst/>
-                <a:latin typeface="Times New Roman" panose="02020603050405020304" pitchFamily="18" charset="0"/>
-                <a:ea typeface="宋体" panose="02010600030101010101" pitchFamily="2" charset="-122"/>
-              </a:rPr>
-              <a:t>等待该设备的进程、进程所需的设备资源</a:t>
-            </a:r>
-            <a:r>
-              <a:rPr lang="zh-CN" altLang="zh-CN" sz="1800" kern="100" dirty="0">
-                <a:effectLst/>
-                <a:latin typeface="Times New Roman" panose="02020603050405020304" pitchFamily="18" charset="0"/>
-                <a:ea typeface="宋体" panose="02010600030101010101" pitchFamily="2" charset="-122"/>
-              </a:rPr>
-              <a:t>等。可以按照设备类型或设备编号等分类显示。</a:t>
             </a:r>
           </a:p>
           <a:p>
@@ -5617,7 +5749,7 @@
         <p:spPr>
           <a:xfrm>
             <a:off x="6551826" y="1284096"/>
-            <a:ext cx="5343525" cy="4801314"/>
+            <a:ext cx="5343525" cy="5078313"/>
           </a:xfrm>
           <a:prstGeom prst="rect">
             <a:avLst/>
@@ -5632,24 +5764,40 @@
           <a:p>
             <a:pPr indent="266700" algn="just"/>
             <a:r>
-              <a:rPr lang="zh-CN" altLang="zh-CN" sz="1800" strike="sngStrike" kern="100" dirty="0">
-                <a:effectLst/>
-                <a:latin typeface="Times New Roman" panose="02020603050405020304" pitchFamily="18" charset="0"/>
-                <a:ea typeface="宋体" panose="02010600030101010101" pitchFamily="2" charset="-122"/>
-              </a:rPr>
-              <a:t>进程调度采用多级反馈调度，设计三级队列，前两级队列使用优先队列根据优先级进行排序，优先执行优先级数值低（优先级高）的进程。</a:t>
-            </a:r>
-          </a:p>
-          <a:p>
-            <a:pPr algn="just"/>
+              <a:rPr lang="zh-CN" altLang="zh-CN" sz="1800" kern="100" dirty="0">
+                <a:effectLst/>
+                <a:latin typeface="Times New Roman" panose="02020603050405020304" pitchFamily="18" charset="0"/>
+                <a:ea typeface="宋体" panose="02010600030101010101" pitchFamily="2" charset="-122"/>
+              </a:rPr>
+              <a:t>进程调度采用多级反馈调度，设计三级队列，</a:t>
+            </a:r>
+            <a:r>
+              <a:rPr lang="zh-CN" altLang="en-US" sz="1800" b="1" kern="100" dirty="0">
+                <a:effectLst/>
+                <a:latin typeface="Times New Roman" panose="02020603050405020304" pitchFamily="18" charset="0"/>
+                <a:ea typeface="宋体" panose="02010600030101010101" pitchFamily="2" charset="-122"/>
+              </a:rPr>
+              <a:t>遵循先来先服务算法，每一进程分配一定的时间片，若时间片运行完时进程未结束，则进入下一优先级队列的末尾。</a:t>
+            </a:r>
+            <a:r>
+              <a:rPr lang="en-US" altLang="zh-CN" sz="1800" b="1" kern="100" dirty="0">
+                <a:effectLst/>
+                <a:latin typeface="Times New Roman" panose="02020603050405020304" pitchFamily="18" charset="0"/>
+                <a:ea typeface="宋体" panose="02010600030101010101" pitchFamily="2" charset="-122"/>
+              </a:rPr>
+              <a:t>    </a:t>
+            </a:r>
             <a:r>
               <a:rPr lang="en-US" altLang="zh-CN" sz="1800" kern="100" dirty="0">
                 <a:effectLst/>
                 <a:latin typeface="Times New Roman" panose="02020603050405020304" pitchFamily="18" charset="0"/>
                 <a:ea typeface="宋体" panose="02010600030101010101" pitchFamily="2" charset="-122"/>
               </a:rPr>
-              <a:t>     </a:t>
-            </a:r>
+              <a:t> </a:t>
+            </a:r>
+          </a:p>
+          <a:p>
+            <a:pPr indent="266700" algn="just"/>
             <a:r>
               <a:rPr lang="zh-CN" altLang="zh-CN" sz="1800" kern="100" dirty="0">
                 <a:effectLst/>
@@ -6740,12 +6888,306 @@
           </a:p>
         </p:txBody>
       </p:sp>
+      <p:sp>
+        <p:nvSpPr>
+          <p:cNvPr id="8" name="文本框 7">
+            <a:extLst>
+              <a:ext uri="{FF2B5EF4-FFF2-40B4-BE49-F238E27FC236}">
+                <a16:creationId xmlns:a16="http://schemas.microsoft.com/office/drawing/2014/main" id="{352AD399-93DD-42CE-7372-F9F9E2A7D755}"/>
+              </a:ext>
+            </a:extLst>
+          </p:cNvPr>
+          <p:cNvSpPr txBox="1"/>
+          <p:nvPr/>
+        </p:nvSpPr>
+        <p:spPr>
+          <a:xfrm>
+            <a:off x="647700" y="3076561"/>
+            <a:ext cx="10896600" cy="3139321"/>
+          </a:xfrm>
+          <a:prstGeom prst="rect">
+            <a:avLst/>
+          </a:prstGeom>
+          <a:noFill/>
+        </p:spPr>
+        <p:txBody>
+          <a:bodyPr wrap="square" rtlCol="0">
+            <a:spAutoFit/>
+          </a:bodyPr>
+          <a:lstStyle/>
+          <a:p>
+            <a:pPr algn="just"/>
+            <a:r>
+              <a:rPr lang="en-US" altLang="zh-CN" sz="1800" kern="100" dirty="0">
+                <a:effectLst/>
+                <a:latin typeface="Times New Roman" panose="02020603050405020304" pitchFamily="18" charset="0"/>
+                <a:ea typeface="宋体" panose="02010600030101010101" pitchFamily="2" charset="-122"/>
+              </a:rPr>
+              <a:t>	</a:t>
+            </a:r>
+            <a:r>
+              <a:rPr lang="zh-CN" altLang="zh-CN" sz="1800" kern="100" dirty="0">
+                <a:effectLst/>
+                <a:latin typeface="Times New Roman" panose="02020603050405020304" pitchFamily="18" charset="0"/>
+                <a:ea typeface="宋体" panose="02010600030101010101" pitchFamily="2" charset="-122"/>
+              </a:rPr>
+              <a:t>系统时间：程序开始运行时获取系统时间，通过一个循环进行时间的自增长</a:t>
+            </a:r>
+          </a:p>
+          <a:p>
+            <a:pPr algn="just"/>
+            <a:r>
+              <a:rPr lang="en-US" altLang="zh-CN" sz="1800" kern="100" dirty="0">
+                <a:effectLst/>
+                <a:latin typeface="Times New Roman" panose="02020603050405020304" pitchFamily="18" charset="0"/>
+                <a:ea typeface="宋体" panose="02010600030101010101" pitchFamily="2" charset="-122"/>
+              </a:rPr>
+              <a:t>	</a:t>
+            </a:r>
+            <a:r>
+              <a:rPr lang="zh-CN" altLang="zh-CN" sz="1800" kern="100" dirty="0">
+                <a:effectLst/>
+                <a:latin typeface="Times New Roman" panose="02020603050405020304" pitchFamily="18" charset="0"/>
+                <a:ea typeface="宋体" panose="02010600030101010101" pitchFamily="2" charset="-122"/>
+              </a:rPr>
+              <a:t>时钟控制：首先</a:t>
+            </a:r>
+            <a:r>
+              <a:rPr lang="en-US" altLang="zh-CN" sz="1800" kern="100" dirty="0" err="1">
+                <a:effectLst/>
+                <a:latin typeface="Times New Roman" panose="02020603050405020304" pitchFamily="18" charset="0"/>
+                <a:ea typeface="宋体" panose="02010600030101010101" pitchFamily="2" charset="-122"/>
+              </a:rPr>
+              <a:t>cpu</a:t>
+            </a:r>
+            <a:r>
+              <a:rPr lang="zh-CN" altLang="zh-CN" sz="1800" kern="100" dirty="0">
+                <a:effectLst/>
+                <a:latin typeface="Times New Roman" panose="02020603050405020304" pitchFamily="18" charset="0"/>
+                <a:ea typeface="宋体" panose="02010600030101010101" pitchFamily="2" charset="-122"/>
+              </a:rPr>
+              <a:t>设置取指令，分析指令，执行指令为一个原子操作。进程调度后，</a:t>
+            </a:r>
+            <a:r>
+              <a:rPr lang="en-US" altLang="zh-CN" sz="1800" kern="100" dirty="0" err="1">
+                <a:effectLst/>
+                <a:latin typeface="Times New Roman" panose="02020603050405020304" pitchFamily="18" charset="0"/>
+                <a:ea typeface="宋体" panose="02010600030101010101" pitchFamily="2" charset="-122"/>
+              </a:rPr>
+              <a:t>cpu</a:t>
+            </a:r>
+            <a:r>
+              <a:rPr lang="zh-CN" altLang="zh-CN" sz="1800" kern="100" dirty="0">
+                <a:effectLst/>
+                <a:latin typeface="Times New Roman" panose="02020603050405020304" pitchFamily="18" charset="0"/>
+                <a:ea typeface="宋体" panose="02010600030101010101" pitchFamily="2" charset="-122"/>
+              </a:rPr>
+              <a:t>每次进行一个原子操作前都先申请锁，完成一个原子操作后释放锁，</a:t>
+            </a:r>
+            <a:r>
+              <a:rPr lang="en-US" altLang="zh-CN" sz="1800" kern="100" dirty="0">
+                <a:effectLst/>
+                <a:latin typeface="Times New Roman" panose="02020603050405020304" pitchFamily="18" charset="0"/>
+                <a:ea typeface="宋体" panose="02010600030101010101" pitchFamily="2" charset="-122"/>
+              </a:rPr>
+              <a:t>Timer</a:t>
+            </a:r>
+            <a:r>
+              <a:rPr lang="zh-CN" altLang="zh-CN" sz="1800" kern="100" dirty="0">
+                <a:effectLst/>
+                <a:latin typeface="Times New Roman" panose="02020603050405020304" pitchFamily="18" charset="0"/>
+                <a:ea typeface="宋体" panose="02010600030101010101" pitchFamily="2" charset="-122"/>
+              </a:rPr>
+              <a:t>通过创建一个子线程循环每次休眠参数个时间片的长度后开始申请互斥锁，申请到互斥锁就进行进程调度，然后释放互斥锁，再次休眠参数个时间片依次类推。</a:t>
+            </a:r>
+          </a:p>
+          <a:p>
+            <a:pPr algn="just"/>
+            <a:r>
+              <a:rPr lang="zh-CN" altLang="zh-CN" sz="1800" kern="100" dirty="0">
+                <a:effectLst/>
+                <a:latin typeface="Times New Roman" panose="02020603050405020304" pitchFamily="18" charset="0"/>
+                <a:ea typeface="宋体" panose="02010600030101010101" pitchFamily="2" charset="-122"/>
+              </a:rPr>
+              <a:t>源文件定义说明：</a:t>
+            </a:r>
+          </a:p>
+          <a:p>
+            <a:pPr algn="just"/>
+            <a:r>
+              <a:rPr lang="en-US" altLang="zh-CN" sz="1800" kern="100" dirty="0">
+                <a:effectLst/>
+                <a:latin typeface="Times New Roman" panose="02020603050405020304" pitchFamily="18" charset="0"/>
+                <a:ea typeface="宋体" panose="02010600030101010101" pitchFamily="2" charset="-122"/>
+              </a:rPr>
+              <a:t>	Timer.py:</a:t>
+            </a:r>
+            <a:r>
+              <a:rPr lang="zh-CN" altLang="zh-CN" sz="1800" kern="100" dirty="0">
+                <a:effectLst/>
+                <a:latin typeface="Times New Roman" panose="02020603050405020304" pitchFamily="18" charset="0"/>
+                <a:ea typeface="宋体" panose="02010600030101010101" pitchFamily="2" charset="-122"/>
+              </a:rPr>
+              <a:t>定义</a:t>
+            </a:r>
+            <a:r>
+              <a:rPr lang="en-US" altLang="zh-CN" sz="1800" kern="100" dirty="0">
+                <a:effectLst/>
+                <a:latin typeface="Times New Roman" panose="02020603050405020304" pitchFamily="18" charset="0"/>
+                <a:ea typeface="宋体" panose="02010600030101010101" pitchFamily="2" charset="-122"/>
+              </a:rPr>
+              <a:t>Timer</a:t>
+            </a:r>
+            <a:r>
+              <a:rPr lang="zh-CN" altLang="zh-CN" sz="1800" kern="100" dirty="0">
+                <a:effectLst/>
+                <a:latin typeface="Times New Roman" panose="02020603050405020304" pitchFamily="18" charset="0"/>
+                <a:ea typeface="宋体" panose="02010600030101010101" pitchFamily="2" charset="-122"/>
+              </a:rPr>
+              <a:t>类以及相关函数</a:t>
+            </a:r>
+          </a:p>
+          <a:p>
+            <a:pPr algn="just"/>
+            <a:r>
+              <a:rPr lang="zh-CN" altLang="zh-CN" sz="1800" kern="100" dirty="0">
+                <a:effectLst/>
+                <a:latin typeface="Times New Roman" panose="02020603050405020304" pitchFamily="18" charset="0"/>
+                <a:ea typeface="宋体" panose="02010600030101010101" pitchFamily="2" charset="-122"/>
+              </a:rPr>
+              <a:t>函数说明：</a:t>
+            </a:r>
+          </a:p>
+          <a:p>
+            <a:pPr algn="just"/>
+            <a:r>
+              <a:rPr lang="en-US" altLang="zh-CN" sz="1800" kern="100" dirty="0">
+                <a:effectLst/>
+                <a:latin typeface="Times New Roman" panose="02020603050405020304" pitchFamily="18" charset="0"/>
+                <a:ea typeface="宋体" panose="02010600030101010101" pitchFamily="2" charset="-122"/>
+              </a:rPr>
+              <a:t>	</a:t>
+            </a:r>
+            <a:r>
+              <a:rPr lang="en-US" altLang="zh-CN" sz="1800" kern="100" dirty="0" err="1">
+                <a:effectLst/>
+                <a:latin typeface="Times New Roman" panose="02020603050405020304" pitchFamily="18" charset="0"/>
+                <a:ea typeface="宋体" panose="02010600030101010101" pitchFamily="2" charset="-122"/>
+              </a:rPr>
+              <a:t>get_real_system_time</a:t>
+            </a:r>
+            <a:r>
+              <a:rPr lang="en-US" altLang="zh-CN" sz="1800" kern="100" dirty="0">
+                <a:effectLst/>
+                <a:latin typeface="Times New Roman" panose="02020603050405020304" pitchFamily="18" charset="0"/>
+                <a:ea typeface="宋体" panose="02010600030101010101" pitchFamily="2" charset="-122"/>
+              </a:rPr>
+              <a:t>(self):</a:t>
+            </a:r>
+            <a:r>
+              <a:rPr lang="zh-CN" altLang="zh-CN" sz="1800" kern="100" dirty="0">
+                <a:effectLst/>
+                <a:latin typeface="Times New Roman" panose="02020603050405020304" pitchFamily="18" charset="0"/>
+                <a:ea typeface="宋体" panose="02010600030101010101" pitchFamily="2" charset="-122"/>
+              </a:rPr>
+              <a:t>获取实际系统时间</a:t>
+            </a:r>
+          </a:p>
+          <a:p>
+            <a:pPr algn="just"/>
+            <a:r>
+              <a:rPr lang="en-US" altLang="zh-CN" sz="1800" kern="100" dirty="0">
+                <a:effectLst/>
+                <a:latin typeface="Times New Roman" panose="02020603050405020304" pitchFamily="18" charset="0"/>
+                <a:ea typeface="宋体" panose="02010600030101010101" pitchFamily="2" charset="-122"/>
+              </a:rPr>
+              <a:t>	</a:t>
+            </a:r>
+            <a:r>
+              <a:rPr lang="en-US" altLang="zh-CN" sz="1800" kern="100" dirty="0" err="1">
+                <a:effectLst/>
+                <a:latin typeface="Times New Roman" panose="02020603050405020304" pitchFamily="18" charset="0"/>
+                <a:ea typeface="宋体" panose="02010600030101010101" pitchFamily="2" charset="-122"/>
+              </a:rPr>
+              <a:t>system_time_add</a:t>
+            </a:r>
+            <a:r>
+              <a:rPr lang="en-US" altLang="zh-CN" sz="1800" kern="100" dirty="0">
+                <a:effectLst/>
+                <a:latin typeface="Times New Roman" panose="02020603050405020304" pitchFamily="18" charset="0"/>
+                <a:ea typeface="宋体" panose="02010600030101010101" pitchFamily="2" charset="-122"/>
+              </a:rPr>
+              <a:t>(self):</a:t>
+            </a:r>
+            <a:r>
+              <a:rPr lang="zh-CN" altLang="zh-CN" sz="1800" kern="100" dirty="0">
+                <a:effectLst/>
+                <a:latin typeface="Times New Roman" panose="02020603050405020304" pitchFamily="18" charset="0"/>
+                <a:ea typeface="宋体" panose="02010600030101010101" pitchFamily="2" charset="-122"/>
+              </a:rPr>
+              <a:t>系统时间自增长</a:t>
+            </a:r>
+          </a:p>
+          <a:p>
+            <a:r>
+              <a:rPr lang="en-US" altLang="zh-CN" sz="1800" kern="100" dirty="0">
+                <a:effectLst/>
+                <a:latin typeface="Times New Roman" panose="02020603050405020304" pitchFamily="18" charset="0"/>
+                <a:ea typeface="宋体" panose="02010600030101010101" pitchFamily="2" charset="-122"/>
+              </a:rPr>
+              <a:t>	</a:t>
+            </a:r>
+            <a:r>
+              <a:rPr lang="en-US" altLang="zh-CN" sz="1800" kern="100" dirty="0" err="1">
+                <a:effectLst/>
+                <a:latin typeface="Times New Roman" panose="02020603050405020304" pitchFamily="18" charset="0"/>
+                <a:ea typeface="宋体" panose="02010600030101010101" pitchFamily="2" charset="-122"/>
+              </a:rPr>
+              <a:t>time_slice_control</a:t>
+            </a:r>
+            <a:r>
+              <a:rPr lang="en-US" altLang="zh-CN" sz="1800" kern="100" dirty="0">
+                <a:effectLst/>
+                <a:latin typeface="Times New Roman" panose="02020603050405020304" pitchFamily="18" charset="0"/>
+                <a:ea typeface="宋体" panose="02010600030101010101" pitchFamily="2" charset="-122"/>
+              </a:rPr>
+              <a:t>(</a:t>
+            </a:r>
+            <a:r>
+              <a:rPr lang="en-US" altLang="zh-CN" sz="1800" kern="100" dirty="0" err="1">
+                <a:effectLst/>
+                <a:latin typeface="Times New Roman" panose="02020603050405020304" pitchFamily="18" charset="0"/>
+                <a:ea typeface="宋体" panose="02010600030101010101" pitchFamily="2" charset="-122"/>
+              </a:rPr>
+              <a:t>self,level</a:t>
+            </a:r>
+            <a:r>
+              <a:rPr lang="en-US" altLang="zh-CN" sz="1800" kern="100" dirty="0">
+                <a:effectLst/>
+                <a:latin typeface="Times New Roman" panose="02020603050405020304" pitchFamily="18" charset="0"/>
+                <a:ea typeface="宋体" panose="02010600030101010101" pitchFamily="2" charset="-122"/>
+              </a:rPr>
+              <a:t>):</a:t>
+            </a:r>
+            <a:r>
+              <a:rPr lang="zh-CN" altLang="zh-CN" sz="1800" kern="100" dirty="0">
+                <a:effectLst/>
+                <a:latin typeface="Times New Roman" panose="02020603050405020304" pitchFamily="18" charset="0"/>
+                <a:ea typeface="宋体" panose="02010600030101010101" pitchFamily="2" charset="-122"/>
+                <a:cs typeface="Times New Roman" panose="02020603050405020304" pitchFamily="18" charset="0"/>
+              </a:rPr>
+              <a:t>时间片数目控制以及时钟信号控制</a:t>
+            </a:r>
+            <a:endParaRPr lang="zh-CN" altLang="en-US" dirty="0"/>
+          </a:p>
+        </p:txBody>
+      </p:sp>
       <p:pic>
         <p:nvPicPr>
-          <p:cNvPr id="4" name="图片 3">
-            <a:extLst>
-              <a:ext uri="{FF2B5EF4-FFF2-40B4-BE49-F238E27FC236}">
-                <a16:creationId xmlns:a16="http://schemas.microsoft.com/office/drawing/2014/main" id="{2C7D9713-7E3D-6AD3-8366-FAAE4D7C9FE7}"/>
+          <p:cNvPr id="5" name="图片 4">
+            <a:extLst>
+              <a:ext uri="{FF2B5EF4-FFF2-40B4-BE49-F238E27FC236}">
+                <a16:creationId xmlns:a16="http://schemas.microsoft.com/office/drawing/2014/main" id="{5B11EF1A-DF19-01F2-59E3-3E31A884A21C}"/>
               </a:ext>
             </a:extLst>
           </p:cNvPr>
@@ -6762,308 +7204,14 @@
         </p:blipFill>
         <p:spPr>
           <a:xfrm>
-            <a:off x="3027251" y="1104996"/>
-            <a:ext cx="6137498" cy="1712522"/>
+            <a:off x="2396304" y="1100558"/>
+            <a:ext cx="7061917" cy="1460219"/>
           </a:xfrm>
           <a:prstGeom prst="rect">
             <a:avLst/>
           </a:prstGeom>
         </p:spPr>
       </p:pic>
-      <p:sp>
-        <p:nvSpPr>
-          <p:cNvPr id="8" name="文本框 7">
-            <a:extLst>
-              <a:ext uri="{FF2B5EF4-FFF2-40B4-BE49-F238E27FC236}">
-                <a16:creationId xmlns:a16="http://schemas.microsoft.com/office/drawing/2014/main" id="{352AD399-93DD-42CE-7372-F9F9E2A7D755}"/>
-              </a:ext>
-            </a:extLst>
-          </p:cNvPr>
-          <p:cNvSpPr txBox="1"/>
-          <p:nvPr/>
-        </p:nvSpPr>
-        <p:spPr>
-          <a:xfrm>
-            <a:off x="647700" y="3076561"/>
-            <a:ext cx="10896600" cy="3139321"/>
-          </a:xfrm>
-          <a:prstGeom prst="rect">
-            <a:avLst/>
-          </a:prstGeom>
-          <a:noFill/>
-        </p:spPr>
-        <p:txBody>
-          <a:bodyPr wrap="square" rtlCol="0">
-            <a:spAutoFit/>
-          </a:bodyPr>
-          <a:lstStyle/>
-          <a:p>
-            <a:pPr algn="just"/>
-            <a:r>
-              <a:rPr lang="en-US" altLang="zh-CN" sz="1800" kern="100" dirty="0">
-                <a:effectLst/>
-                <a:latin typeface="Times New Roman" panose="02020603050405020304" pitchFamily="18" charset="0"/>
-                <a:ea typeface="宋体" panose="02010600030101010101" pitchFamily="2" charset="-122"/>
-              </a:rPr>
-              <a:t>	</a:t>
-            </a:r>
-            <a:r>
-              <a:rPr lang="zh-CN" altLang="zh-CN" sz="1800" kern="100" dirty="0">
-                <a:effectLst/>
-                <a:latin typeface="Times New Roman" panose="02020603050405020304" pitchFamily="18" charset="0"/>
-                <a:ea typeface="宋体" panose="02010600030101010101" pitchFamily="2" charset="-122"/>
-              </a:rPr>
-              <a:t>系统时间：程序开始运行时获取系统时间，通过一个循环进行时间的自增长</a:t>
-            </a:r>
-          </a:p>
-          <a:p>
-            <a:pPr algn="just"/>
-            <a:r>
-              <a:rPr lang="en-US" altLang="zh-CN" sz="1800" kern="100" dirty="0">
-                <a:effectLst/>
-                <a:latin typeface="Times New Roman" panose="02020603050405020304" pitchFamily="18" charset="0"/>
-                <a:ea typeface="宋体" panose="02010600030101010101" pitchFamily="2" charset="-122"/>
-              </a:rPr>
-              <a:t>	</a:t>
-            </a:r>
-            <a:r>
-              <a:rPr lang="zh-CN" altLang="zh-CN" sz="1800" kern="100" dirty="0">
-                <a:effectLst/>
-                <a:latin typeface="Times New Roman" panose="02020603050405020304" pitchFamily="18" charset="0"/>
-                <a:ea typeface="宋体" panose="02010600030101010101" pitchFamily="2" charset="-122"/>
-              </a:rPr>
-              <a:t>时钟控制：首先</a:t>
-            </a:r>
-            <a:r>
-              <a:rPr lang="en-US" altLang="zh-CN" sz="1800" kern="100" dirty="0" err="1">
-                <a:effectLst/>
-                <a:latin typeface="Times New Roman" panose="02020603050405020304" pitchFamily="18" charset="0"/>
-                <a:ea typeface="宋体" panose="02010600030101010101" pitchFamily="2" charset="-122"/>
-              </a:rPr>
-              <a:t>cpu</a:t>
-            </a:r>
-            <a:r>
-              <a:rPr lang="zh-CN" altLang="zh-CN" sz="1800" kern="100" dirty="0">
-                <a:effectLst/>
-                <a:latin typeface="Times New Roman" panose="02020603050405020304" pitchFamily="18" charset="0"/>
-                <a:ea typeface="宋体" panose="02010600030101010101" pitchFamily="2" charset="-122"/>
-              </a:rPr>
-              <a:t>设置取指令，分析指令，执行指令为一个原子操作。进程调度后，</a:t>
-            </a:r>
-            <a:r>
-              <a:rPr lang="en-US" altLang="zh-CN" sz="1800" kern="100" dirty="0" err="1">
-                <a:effectLst/>
-                <a:latin typeface="Times New Roman" panose="02020603050405020304" pitchFamily="18" charset="0"/>
-                <a:ea typeface="宋体" panose="02010600030101010101" pitchFamily="2" charset="-122"/>
-              </a:rPr>
-              <a:t>cpu</a:t>
-            </a:r>
-            <a:r>
-              <a:rPr lang="zh-CN" altLang="zh-CN" sz="1800" kern="100" dirty="0">
-                <a:effectLst/>
-                <a:latin typeface="Times New Roman" panose="02020603050405020304" pitchFamily="18" charset="0"/>
-                <a:ea typeface="宋体" panose="02010600030101010101" pitchFamily="2" charset="-122"/>
-              </a:rPr>
-              <a:t>每次进行一个原子操作前都先申请锁，完成一个原子操作后释放锁，</a:t>
-            </a:r>
-            <a:r>
-              <a:rPr lang="en-US" altLang="zh-CN" sz="1800" kern="100" dirty="0">
-                <a:effectLst/>
-                <a:latin typeface="Times New Roman" panose="02020603050405020304" pitchFamily="18" charset="0"/>
-                <a:ea typeface="宋体" panose="02010600030101010101" pitchFamily="2" charset="-122"/>
-              </a:rPr>
-              <a:t>Timer</a:t>
-            </a:r>
-            <a:r>
-              <a:rPr lang="zh-CN" altLang="zh-CN" sz="1800" kern="100" dirty="0">
-                <a:effectLst/>
-                <a:latin typeface="Times New Roman" panose="02020603050405020304" pitchFamily="18" charset="0"/>
-                <a:ea typeface="宋体" panose="02010600030101010101" pitchFamily="2" charset="-122"/>
-              </a:rPr>
-              <a:t>通过创建一个子线程循环每次休眠参数个时间片的长度后开始申请互斥锁，申请到互斥锁就进行进程调度，然后释放互斥锁，再次休眠参数个时间片依次类推。</a:t>
-            </a:r>
-          </a:p>
-          <a:p>
-            <a:pPr algn="just"/>
-            <a:r>
-              <a:rPr lang="zh-CN" altLang="zh-CN" sz="1800" kern="100" dirty="0">
-                <a:effectLst/>
-                <a:latin typeface="Times New Roman" panose="02020603050405020304" pitchFamily="18" charset="0"/>
-                <a:ea typeface="宋体" panose="02010600030101010101" pitchFamily="2" charset="-122"/>
-              </a:rPr>
-              <a:t>源文件定义说明：</a:t>
-            </a:r>
-          </a:p>
-          <a:p>
-            <a:pPr algn="just"/>
-            <a:r>
-              <a:rPr lang="en-US" altLang="zh-CN" sz="1800" kern="100" dirty="0">
-                <a:effectLst/>
-                <a:latin typeface="Times New Roman" panose="02020603050405020304" pitchFamily="18" charset="0"/>
-                <a:ea typeface="宋体" panose="02010600030101010101" pitchFamily="2" charset="-122"/>
-              </a:rPr>
-              <a:t>	Timer.py:</a:t>
-            </a:r>
-            <a:r>
-              <a:rPr lang="zh-CN" altLang="zh-CN" sz="1800" kern="100" dirty="0">
-                <a:effectLst/>
-                <a:latin typeface="Times New Roman" panose="02020603050405020304" pitchFamily="18" charset="0"/>
-                <a:ea typeface="宋体" panose="02010600030101010101" pitchFamily="2" charset="-122"/>
-              </a:rPr>
-              <a:t>定义</a:t>
-            </a:r>
-            <a:r>
-              <a:rPr lang="en-US" altLang="zh-CN" sz="1800" kern="100" dirty="0">
-                <a:effectLst/>
-                <a:latin typeface="Times New Roman" panose="02020603050405020304" pitchFamily="18" charset="0"/>
-                <a:ea typeface="宋体" panose="02010600030101010101" pitchFamily="2" charset="-122"/>
-              </a:rPr>
-              <a:t>Timer</a:t>
-            </a:r>
-            <a:r>
-              <a:rPr lang="zh-CN" altLang="zh-CN" sz="1800" kern="100" dirty="0">
-                <a:effectLst/>
-                <a:latin typeface="Times New Roman" panose="02020603050405020304" pitchFamily="18" charset="0"/>
-                <a:ea typeface="宋体" panose="02010600030101010101" pitchFamily="2" charset="-122"/>
-              </a:rPr>
-              <a:t>类以及相关函数</a:t>
-            </a:r>
-          </a:p>
-          <a:p>
-            <a:pPr algn="just"/>
-            <a:r>
-              <a:rPr lang="zh-CN" altLang="zh-CN" sz="1800" kern="100" dirty="0">
-                <a:effectLst/>
-                <a:latin typeface="Times New Roman" panose="02020603050405020304" pitchFamily="18" charset="0"/>
-                <a:ea typeface="宋体" panose="02010600030101010101" pitchFamily="2" charset="-122"/>
-              </a:rPr>
-              <a:t>函数说明：</a:t>
-            </a:r>
-          </a:p>
-          <a:p>
-            <a:pPr algn="just"/>
-            <a:r>
-              <a:rPr lang="en-US" altLang="zh-CN" sz="1800" kern="100" dirty="0">
-                <a:effectLst/>
-                <a:latin typeface="Times New Roman" panose="02020603050405020304" pitchFamily="18" charset="0"/>
-                <a:ea typeface="宋体" panose="02010600030101010101" pitchFamily="2" charset="-122"/>
-              </a:rPr>
-              <a:t>	</a:t>
-            </a:r>
-            <a:r>
-              <a:rPr lang="en-US" altLang="zh-CN" sz="1800" kern="100" dirty="0" err="1">
-                <a:effectLst/>
-                <a:latin typeface="Times New Roman" panose="02020603050405020304" pitchFamily="18" charset="0"/>
-                <a:ea typeface="宋体" panose="02010600030101010101" pitchFamily="2" charset="-122"/>
-              </a:rPr>
-              <a:t>get_real_system_time</a:t>
-            </a:r>
-            <a:r>
-              <a:rPr lang="en-US" altLang="zh-CN" sz="1800" kern="100" dirty="0">
-                <a:effectLst/>
-                <a:latin typeface="Times New Roman" panose="02020603050405020304" pitchFamily="18" charset="0"/>
-                <a:ea typeface="宋体" panose="02010600030101010101" pitchFamily="2" charset="-122"/>
-              </a:rPr>
-              <a:t>(self):</a:t>
-            </a:r>
-            <a:r>
-              <a:rPr lang="zh-CN" altLang="zh-CN" sz="1800" kern="100" dirty="0">
-                <a:effectLst/>
-                <a:latin typeface="Times New Roman" panose="02020603050405020304" pitchFamily="18" charset="0"/>
-                <a:ea typeface="宋体" panose="02010600030101010101" pitchFamily="2" charset="-122"/>
-              </a:rPr>
-              <a:t>获取实际系统时间</a:t>
-            </a:r>
-          </a:p>
-          <a:p>
-            <a:pPr algn="just"/>
-            <a:r>
-              <a:rPr lang="en-US" altLang="zh-CN" sz="1800" kern="100" dirty="0">
-                <a:effectLst/>
-                <a:latin typeface="Times New Roman" panose="02020603050405020304" pitchFamily="18" charset="0"/>
-                <a:ea typeface="宋体" panose="02010600030101010101" pitchFamily="2" charset="-122"/>
-              </a:rPr>
-              <a:t>	</a:t>
-            </a:r>
-            <a:r>
-              <a:rPr lang="en-US" altLang="zh-CN" sz="1800" kern="100" dirty="0" err="1">
-                <a:effectLst/>
-                <a:latin typeface="Times New Roman" panose="02020603050405020304" pitchFamily="18" charset="0"/>
-                <a:ea typeface="宋体" panose="02010600030101010101" pitchFamily="2" charset="-122"/>
-              </a:rPr>
-              <a:t>system_time_add</a:t>
-            </a:r>
-            <a:r>
-              <a:rPr lang="en-US" altLang="zh-CN" sz="1800" kern="100" dirty="0">
-                <a:effectLst/>
-                <a:latin typeface="Times New Roman" panose="02020603050405020304" pitchFamily="18" charset="0"/>
-                <a:ea typeface="宋体" panose="02010600030101010101" pitchFamily="2" charset="-122"/>
-              </a:rPr>
-              <a:t>(self):</a:t>
-            </a:r>
-            <a:r>
-              <a:rPr lang="zh-CN" altLang="zh-CN" sz="1800" kern="100" dirty="0">
-                <a:effectLst/>
-                <a:latin typeface="Times New Roman" panose="02020603050405020304" pitchFamily="18" charset="0"/>
-                <a:ea typeface="宋体" panose="02010600030101010101" pitchFamily="2" charset="-122"/>
-              </a:rPr>
-              <a:t>系统时间自增长</a:t>
-            </a:r>
-          </a:p>
-          <a:p>
-            <a:r>
-              <a:rPr lang="en-US" altLang="zh-CN" sz="1800" kern="100" dirty="0">
-                <a:effectLst/>
-                <a:latin typeface="Times New Roman" panose="02020603050405020304" pitchFamily="18" charset="0"/>
-                <a:ea typeface="宋体" panose="02010600030101010101" pitchFamily="2" charset="-122"/>
-              </a:rPr>
-              <a:t>	</a:t>
-            </a:r>
-            <a:r>
-              <a:rPr lang="en-US" altLang="zh-CN" sz="1800" kern="100" dirty="0" err="1">
-                <a:effectLst/>
-                <a:latin typeface="Times New Roman" panose="02020603050405020304" pitchFamily="18" charset="0"/>
-                <a:ea typeface="宋体" panose="02010600030101010101" pitchFamily="2" charset="-122"/>
-              </a:rPr>
-              <a:t>time_slice_control</a:t>
-            </a:r>
-            <a:r>
-              <a:rPr lang="en-US" altLang="zh-CN" sz="1800" kern="100" dirty="0">
-                <a:effectLst/>
-                <a:latin typeface="Times New Roman" panose="02020603050405020304" pitchFamily="18" charset="0"/>
-                <a:ea typeface="宋体" panose="02010600030101010101" pitchFamily="2" charset="-122"/>
-              </a:rPr>
-              <a:t>(</a:t>
-            </a:r>
-            <a:r>
-              <a:rPr lang="en-US" altLang="zh-CN" sz="1800" kern="100" dirty="0" err="1">
-                <a:effectLst/>
-                <a:latin typeface="Times New Roman" panose="02020603050405020304" pitchFamily="18" charset="0"/>
-                <a:ea typeface="宋体" panose="02010600030101010101" pitchFamily="2" charset="-122"/>
-              </a:rPr>
-              <a:t>self,level</a:t>
-            </a:r>
-            <a:r>
-              <a:rPr lang="en-US" altLang="zh-CN" sz="1800" kern="100" dirty="0">
-                <a:effectLst/>
-                <a:latin typeface="Times New Roman" panose="02020603050405020304" pitchFamily="18" charset="0"/>
-                <a:ea typeface="宋体" panose="02010600030101010101" pitchFamily="2" charset="-122"/>
-              </a:rPr>
-              <a:t>):</a:t>
-            </a:r>
-            <a:r>
-              <a:rPr lang="zh-CN" altLang="zh-CN" sz="1800" kern="100" dirty="0">
-                <a:effectLst/>
-                <a:latin typeface="Times New Roman" panose="02020603050405020304" pitchFamily="18" charset="0"/>
-                <a:ea typeface="宋体" panose="02010600030101010101" pitchFamily="2" charset="-122"/>
-                <a:cs typeface="Times New Roman" panose="02020603050405020304" pitchFamily="18" charset="0"/>
-              </a:rPr>
-              <a:t>时间片数目控制以及时钟信号控制</a:t>
-            </a:r>
-            <a:endParaRPr lang="zh-CN" altLang="en-US" dirty="0"/>
-          </a:p>
-        </p:txBody>
-      </p:sp>
     </p:spTree>
     <p:extLst>
       <p:ext uri="{BB962C8B-B14F-4D97-AF65-F5344CB8AC3E}">
@@ -7259,7 +7407,70 @@
                 <a:latin typeface="Times New Roman" panose="02020603050405020304" pitchFamily="18" charset="0"/>
                 <a:ea typeface="宋体" panose="02010600030101010101" pitchFamily="2" charset="-122"/>
               </a:rPr>
-              <a:t>为两个部分，主界面和信息显示界面，主界面为命令行界面，通过命令行输入命令打开信息显示界面，信息显示界面能直观地展示出进程、内存、文件的实时情况。</a:t>
+              <a:t>为两个部分，</a:t>
+            </a:r>
+            <a:r>
+              <a:rPr lang="zh-CN" altLang="en-US" sz="1800" b="1" kern="100" dirty="0">
+                <a:solidFill>
+                  <a:srgbClr val="FF0000"/>
+                </a:solidFill>
+                <a:effectLst/>
+                <a:latin typeface="Times New Roman" panose="02020603050405020304" pitchFamily="18" charset="0"/>
+                <a:ea typeface="宋体" panose="02010600030101010101" pitchFamily="2" charset="-122"/>
+              </a:rPr>
+              <a:t>主界面和信息显示界面</a:t>
+            </a:r>
+            <a:r>
+              <a:rPr lang="zh-CN" altLang="en-US" sz="1800" kern="100" dirty="0">
+                <a:effectLst/>
+                <a:latin typeface="Times New Roman" panose="02020603050405020304" pitchFamily="18" charset="0"/>
+                <a:ea typeface="宋体" panose="02010600030101010101" pitchFamily="2" charset="-122"/>
+              </a:rPr>
+              <a:t>，主界面为</a:t>
+            </a:r>
+            <a:r>
+              <a:rPr lang="zh-CN" altLang="en-US" sz="1800" b="1" kern="100" dirty="0">
+                <a:solidFill>
+                  <a:srgbClr val="FF0000"/>
+                </a:solidFill>
+                <a:effectLst/>
+                <a:latin typeface="Times New Roman" panose="02020603050405020304" pitchFamily="18" charset="0"/>
+                <a:ea typeface="宋体" panose="02010600030101010101" pitchFamily="2" charset="-122"/>
+              </a:rPr>
+              <a:t>命令行界面</a:t>
+            </a:r>
+            <a:r>
+              <a:rPr lang="zh-CN" altLang="en-US" sz="1800" kern="100" dirty="0">
+                <a:effectLst/>
+                <a:latin typeface="Times New Roman" panose="02020603050405020304" pitchFamily="18" charset="0"/>
+                <a:ea typeface="宋体" panose="02010600030101010101" pitchFamily="2" charset="-122"/>
+              </a:rPr>
+              <a:t>，通过命令行输入命令打开信息显示界面，信息显示界面</a:t>
+            </a:r>
+            <a:r>
+              <a:rPr lang="zh-CN" altLang="en-US" kern="100" dirty="0">
+                <a:latin typeface="Times New Roman" panose="02020603050405020304" pitchFamily="18" charset="0"/>
+                <a:ea typeface="宋体" panose="02010600030101010101" pitchFamily="2" charset="-122"/>
+              </a:rPr>
+              <a:t>为</a:t>
+            </a:r>
+            <a:r>
+              <a:rPr lang="zh-CN" altLang="en-US" b="1" kern="100" dirty="0">
+                <a:solidFill>
+                  <a:srgbClr val="FF0000"/>
+                </a:solidFill>
+                <a:latin typeface="Times New Roman" panose="02020603050405020304" pitchFamily="18" charset="0"/>
+                <a:ea typeface="宋体" panose="02010600030101010101" pitchFamily="2" charset="-122"/>
+              </a:rPr>
+              <a:t>图形化界面</a:t>
+            </a:r>
+            <a:r>
+              <a:rPr lang="zh-CN" altLang="en-US" sz="1800" kern="100" dirty="0">
+                <a:effectLst/>
+                <a:latin typeface="Times New Roman" panose="02020603050405020304" pitchFamily="18" charset="0"/>
+                <a:ea typeface="宋体" panose="02010600030101010101" pitchFamily="2" charset="-122"/>
+              </a:rPr>
+              <a:t>能直观地展示出进程、内存、文件的实时情况。</a:t>
             </a:r>
             <a:endParaRPr lang="en-US" altLang="zh-CN" sz="1800" kern="100" dirty="0">
               <a:effectLst/>
@@ -7291,10 +7502,29 @@
                 <a:latin typeface="Times New Roman" panose="02020603050405020304" pitchFamily="18" charset="0"/>
                 <a:ea typeface="宋体" panose="02010600030101010101" pitchFamily="2" charset="-122"/>
               </a:rPr>
-              <a:t>：进程管理是模拟操作系统的核心功能之一，需要实现进程的</a:t>
+              <a:t>：进程管理是模拟操作系统</a:t>
+            </a:r>
+            <a:r>
+              <a:rPr lang="zh-CN" altLang="en-US" sz="1800" kern="100" dirty="0">
+                <a:effectLst/>
+                <a:latin typeface="Times New Roman" panose="02020603050405020304" pitchFamily="18" charset="0"/>
+                <a:ea typeface="宋体" panose="02010600030101010101" pitchFamily="2" charset="-122"/>
+              </a:rPr>
+              <a:t>软件</a:t>
+            </a:r>
+            <a:r>
+              <a:rPr lang="zh-CN" altLang="zh-CN" sz="1800" kern="100" dirty="0">
+                <a:effectLst/>
+                <a:latin typeface="Times New Roman" panose="02020603050405020304" pitchFamily="18" charset="0"/>
+                <a:ea typeface="宋体" panose="02010600030101010101" pitchFamily="2" charset="-122"/>
+              </a:rPr>
+              <a:t>的核心功能之一，需要实现进程的</a:t>
             </a:r>
             <a:r>
               <a:rPr lang="zh-CN" altLang="zh-CN" sz="1800" b="1" kern="100" dirty="0">
+                <a:solidFill>
+                  <a:srgbClr val="FF0000"/>
+                </a:solidFill>
                 <a:effectLst/>
                 <a:latin typeface="Times New Roman" panose="02020603050405020304" pitchFamily="18" charset="0"/>
                 <a:ea typeface="宋体" panose="02010600030101010101" pitchFamily="2" charset="-122"/>
@@ -7343,6 +7573,9 @@
             </a:r>
             <a:r>
               <a:rPr lang="zh-CN" altLang="zh-CN" sz="1800" b="1" kern="100" dirty="0">
+                <a:solidFill>
+                  <a:srgbClr val="FF0000"/>
+                </a:solidFill>
                 <a:effectLst/>
                 <a:latin typeface="Times New Roman" panose="02020603050405020304" pitchFamily="18" charset="0"/>
                 <a:ea typeface="宋体" panose="02010600030101010101" pitchFamily="2" charset="-122"/>
@@ -7382,7 +7615,26 @@
                 <a:latin typeface="Times New Roman" panose="02020603050405020304" pitchFamily="18" charset="0"/>
                 <a:ea typeface="宋体" panose="02010600030101010101" pitchFamily="2" charset="-122"/>
               </a:rPr>
-              <a:t>：文件系统管理是模拟操作系统的另一个重要功能，需要实现文件的创建、读取、写入、删除等操作。可以采用虚拟文件系统技术实现文件的存储和管理。</a:t>
+              <a:t>：文件系统管理是模拟操作系统的另一个重要功能，需要实现文件的</a:t>
+            </a:r>
+            <a:r>
+              <a:rPr lang="zh-CN" altLang="zh-CN" sz="1800" b="1" kern="100" dirty="0">
+                <a:solidFill>
+                  <a:srgbClr val="FF0000"/>
+                </a:solidFill>
+                <a:effectLst/>
+                <a:latin typeface="Times New Roman" panose="02020603050405020304" pitchFamily="18" charset="0"/>
+                <a:ea typeface="宋体" panose="02010600030101010101" pitchFamily="2" charset="-122"/>
+              </a:rPr>
+              <a:t>创建、读取、写入、删除</a:t>
+            </a:r>
+            <a:r>
+              <a:rPr lang="zh-CN" altLang="zh-CN" sz="1800" kern="100" dirty="0">
+                <a:effectLst/>
+                <a:latin typeface="Times New Roman" panose="02020603050405020304" pitchFamily="18" charset="0"/>
+                <a:ea typeface="宋体" panose="02010600030101010101" pitchFamily="2" charset="-122"/>
+              </a:rPr>
+              <a:t>等操作。</a:t>
             </a:r>
             <a:endParaRPr lang="en-US" altLang="zh-CN" sz="1800" kern="100" dirty="0">
               <a:effectLst/>
@@ -7412,7 +7664,24 @@
                 <a:latin typeface="Times New Roman" panose="02020603050405020304" pitchFamily="18" charset="0"/>
                 <a:ea typeface="宋体" panose="02010600030101010101" pitchFamily="2" charset="-122"/>
               </a:rPr>
-              <a:t>：</a:t>
+              <a:t>：需要实现设备的</a:t>
+            </a:r>
+            <a:r>
+              <a:rPr lang="zh-CN" altLang="en-US" b="1" kern="100" dirty="0">
+                <a:solidFill>
+                  <a:srgbClr val="FF0000"/>
+                </a:solidFill>
+                <a:latin typeface="Times New Roman" panose="02020603050405020304" pitchFamily="18" charset="0"/>
+                <a:ea typeface="宋体" panose="02010600030101010101" pitchFamily="2" charset="-122"/>
+              </a:rPr>
+              <a:t>申请、管理、使用、释放</a:t>
+            </a:r>
+            <a:r>
+              <a:rPr lang="zh-CN" altLang="en-US" kern="100" dirty="0">
+                <a:latin typeface="Times New Roman" panose="02020603050405020304" pitchFamily="18" charset="0"/>
+                <a:ea typeface="宋体" panose="02010600030101010101" pitchFamily="2" charset="-122"/>
+              </a:rPr>
+              <a:t>等操作。</a:t>
             </a:r>
             <a:endParaRPr lang="zh-CN" altLang="zh-CN" sz="1800" kern="100" dirty="0">
               <a:effectLst/>
@@ -7558,12 +7827,183 @@
           </a:p>
         </p:txBody>
       </p:sp>
+      <p:sp>
+        <p:nvSpPr>
+          <p:cNvPr id="8" name="文本框 7">
+            <a:extLst>
+              <a:ext uri="{FF2B5EF4-FFF2-40B4-BE49-F238E27FC236}">
+                <a16:creationId xmlns:a16="http://schemas.microsoft.com/office/drawing/2014/main" id="{8DDF4140-EBE0-2A8B-7938-E82DB3FB232D}"/>
+              </a:ext>
+            </a:extLst>
+          </p:cNvPr>
+          <p:cNvSpPr txBox="1"/>
+          <p:nvPr/>
+        </p:nvSpPr>
+        <p:spPr>
+          <a:xfrm>
+            <a:off x="1285875" y="3810000"/>
+            <a:ext cx="9448800" cy="2308324"/>
+          </a:xfrm>
+          <a:prstGeom prst="rect">
+            <a:avLst/>
+          </a:prstGeom>
+          <a:noFill/>
+        </p:spPr>
+        <p:txBody>
+          <a:bodyPr wrap="square" rtlCol="0">
+            <a:spAutoFit/>
+          </a:bodyPr>
+          <a:lstStyle/>
+          <a:p>
+            <a:pPr indent="266700" algn="just"/>
+            <a:r>
+              <a:rPr lang="zh-CN" altLang="zh-CN" sz="1800" kern="100" dirty="0">
+                <a:effectLst/>
+                <a:latin typeface="Times New Roman" panose="02020603050405020304" pitchFamily="18" charset="0"/>
+                <a:ea typeface="宋体" panose="02010600030101010101" pitchFamily="2" charset="-122"/>
+              </a:rPr>
+              <a:t>初始化设备</a:t>
+            </a:r>
+            <a:r>
+              <a:rPr lang="en-US" altLang="zh-CN" sz="1800" kern="100" dirty="0" err="1">
+                <a:effectLst/>
+                <a:latin typeface="Times New Roman" panose="02020603050405020304" pitchFamily="18" charset="0"/>
+                <a:ea typeface="宋体" panose="02010600030101010101" pitchFamily="2" charset="-122"/>
+              </a:rPr>
+              <a:t>initDevice</a:t>
+            </a:r>
+            <a:r>
+              <a:rPr lang="en-US" altLang="zh-CN" sz="1800" kern="100" dirty="0">
+                <a:effectLst/>
+                <a:latin typeface="Times New Roman" panose="02020603050405020304" pitchFamily="18" charset="0"/>
+                <a:ea typeface="宋体" panose="02010600030101010101" pitchFamily="2" charset="-122"/>
+              </a:rPr>
+              <a:t>()</a:t>
+            </a:r>
+            <a:r>
+              <a:rPr lang="zh-CN" altLang="zh-CN" sz="1800" kern="100" dirty="0">
+                <a:effectLst/>
+                <a:latin typeface="Times New Roman" panose="02020603050405020304" pitchFamily="18" charset="0"/>
+                <a:ea typeface="宋体" panose="02010600030101010101" pitchFamily="2" charset="-122"/>
+              </a:rPr>
+              <a:t>需要在内存中分配内存空间，用来</a:t>
+            </a:r>
+            <a:r>
+              <a:rPr lang="zh-CN" altLang="zh-CN" sz="1800" b="1" kern="100" dirty="0">
+                <a:effectLst/>
+                <a:latin typeface="Times New Roman" panose="02020603050405020304" pitchFamily="18" charset="0"/>
+                <a:ea typeface="宋体" panose="02010600030101010101" pitchFamily="2" charset="-122"/>
+              </a:rPr>
+              <a:t>存储设备及其相关信息</a:t>
+            </a:r>
+            <a:r>
+              <a:rPr lang="zh-CN" altLang="zh-CN" sz="1800" kern="100" dirty="0">
+                <a:effectLst/>
+                <a:latin typeface="Times New Roman" panose="02020603050405020304" pitchFamily="18" charset="0"/>
+                <a:ea typeface="宋体" panose="02010600030101010101" pitchFamily="2" charset="-122"/>
+              </a:rPr>
+              <a:t>；根据设备的类型及属性，确定设备的分配方式。</a:t>
+            </a:r>
+          </a:p>
+          <a:p>
+            <a:pPr indent="266700" algn="just"/>
+            <a:r>
+              <a:rPr lang="zh-CN" altLang="zh-CN" sz="1800" kern="100" dirty="0">
+                <a:effectLst/>
+                <a:latin typeface="Times New Roman" panose="02020603050405020304" pitchFamily="18" charset="0"/>
+                <a:ea typeface="宋体" panose="02010600030101010101" pitchFamily="2" charset="-122"/>
+              </a:rPr>
+              <a:t>对每个设备类型定义对应的数据结构，用来存储设备的相关信息；根据设备的分配方式，确定设备在内存中的位置。</a:t>
+            </a:r>
+          </a:p>
+          <a:p>
+            <a:pPr indent="266700" algn="just"/>
+            <a:r>
+              <a:rPr lang="zh-CN" altLang="zh-CN" sz="1800" kern="100" dirty="0">
+                <a:effectLst/>
+                <a:latin typeface="Times New Roman" panose="02020603050405020304" pitchFamily="18" charset="0"/>
+                <a:ea typeface="宋体" panose="02010600030101010101" pitchFamily="2" charset="-122"/>
+              </a:rPr>
+              <a:t>当需要更新设备信息时</a:t>
+            </a:r>
+            <a:r>
+              <a:rPr lang="en-US" altLang="zh-CN" sz="1800" kern="100" dirty="0" err="1">
+                <a:effectLst/>
+                <a:latin typeface="Times New Roman" panose="02020603050405020304" pitchFamily="18" charset="0"/>
+                <a:ea typeface="宋体" panose="02010600030101010101" pitchFamily="2" charset="-122"/>
+              </a:rPr>
+              <a:t>updataDevice</a:t>
+            </a:r>
+            <a:r>
+              <a:rPr lang="en-US" altLang="zh-CN" sz="1800" kern="100" dirty="0">
+                <a:effectLst/>
+                <a:latin typeface="Times New Roman" panose="02020603050405020304" pitchFamily="18" charset="0"/>
+                <a:ea typeface="宋体" panose="02010600030101010101" pitchFamily="2" charset="-122"/>
+              </a:rPr>
+              <a:t>()</a:t>
+            </a:r>
+            <a:r>
+              <a:rPr lang="zh-CN" altLang="zh-CN" sz="1800" kern="100" dirty="0">
+                <a:effectLst/>
+                <a:latin typeface="Times New Roman" panose="02020603050405020304" pitchFamily="18" charset="0"/>
+                <a:ea typeface="宋体" panose="02010600030101010101" pitchFamily="2" charset="-122"/>
+              </a:rPr>
+              <a:t>，根据设备的类型和属性，调整设备在内存中的位置；当系统中的设备发生变化时，更新设备的信息，调整设备的分配方式。</a:t>
+            </a:r>
+          </a:p>
+          <a:p>
+            <a:r>
+              <a:rPr lang="en-US" altLang="zh-CN" kern="100" dirty="0">
+                <a:latin typeface="Times New Roman" panose="02020603050405020304" pitchFamily="18" charset="0"/>
+                <a:ea typeface="宋体" panose="02010600030101010101" pitchFamily="2" charset="-122"/>
+                <a:cs typeface="Times New Roman" panose="02020603050405020304" pitchFamily="18" charset="0"/>
+              </a:rPr>
+              <a:t>     </a:t>
+            </a:r>
+            <a:r>
+              <a:rPr lang="zh-CN" altLang="zh-CN" sz="1800" kern="100" dirty="0">
+                <a:effectLst/>
+                <a:latin typeface="Times New Roman" panose="02020603050405020304" pitchFamily="18" charset="0"/>
+                <a:ea typeface="宋体" panose="02010600030101010101" pitchFamily="2" charset="-122"/>
+                <a:cs typeface="Times New Roman" panose="02020603050405020304" pitchFamily="18" charset="0"/>
+              </a:rPr>
+              <a:t>当进程需要调用或访问设备时</a:t>
+            </a:r>
+            <a:r>
+              <a:rPr lang="en-US" altLang="zh-CN" sz="1800" kern="100" dirty="0" err="1">
+                <a:effectLst/>
+                <a:latin typeface="Times New Roman" panose="02020603050405020304" pitchFamily="18" charset="0"/>
+                <a:ea typeface="宋体" panose="02010600030101010101" pitchFamily="2" charset="-122"/>
+              </a:rPr>
+              <a:t>callDevice</a:t>
+            </a:r>
+            <a:r>
+              <a:rPr lang="en-US" altLang="zh-CN" sz="1800" kern="100" dirty="0">
+                <a:effectLst/>
+                <a:latin typeface="Times New Roman" panose="02020603050405020304" pitchFamily="18" charset="0"/>
+                <a:ea typeface="宋体" panose="02010600030101010101" pitchFamily="2" charset="-122"/>
+              </a:rPr>
+              <a:t>()</a:t>
+            </a:r>
+            <a:r>
+              <a:rPr lang="zh-CN" altLang="zh-CN" sz="1800" kern="100" dirty="0">
+                <a:effectLst/>
+                <a:latin typeface="Times New Roman" panose="02020603050405020304" pitchFamily="18" charset="0"/>
+                <a:ea typeface="宋体" panose="02010600030101010101" pitchFamily="2" charset="-122"/>
+                <a:cs typeface="Times New Roman" panose="02020603050405020304" pitchFamily="18" charset="0"/>
+              </a:rPr>
+              <a:t>，根据设备的类型、属性和状态，调用对应的访问函数或进入等待队列。</a:t>
+            </a:r>
+            <a:endParaRPr lang="zh-CN" altLang="en-US" dirty="0"/>
+          </a:p>
+        </p:txBody>
+      </p:sp>
       <p:pic>
         <p:nvPicPr>
-          <p:cNvPr id="4" name="图片 3">
-            <a:extLst>
-              <a:ext uri="{FF2B5EF4-FFF2-40B4-BE49-F238E27FC236}">
-                <a16:creationId xmlns:a16="http://schemas.microsoft.com/office/drawing/2014/main" id="{614EAAC0-0E7A-79AA-8AB3-4050A7868B07}"/>
+          <p:cNvPr id="5" name="图片 4">
+            <a:extLst>
+              <a:ext uri="{FF2B5EF4-FFF2-40B4-BE49-F238E27FC236}">
+                <a16:creationId xmlns:a16="http://schemas.microsoft.com/office/drawing/2014/main" id="{84A66809-E9DC-F7E7-EF2C-80C97648A484}"/>
               </a:ext>
             </a:extLst>
           </p:cNvPr>
@@ -7580,185 +8020,14 @@
         </p:blipFill>
         <p:spPr>
           <a:xfrm>
-            <a:off x="2759242" y="1104996"/>
-            <a:ext cx="5972579" cy="2217490"/>
+            <a:off x="2895232" y="1097211"/>
+            <a:ext cx="6401536" cy="2533687"/>
           </a:xfrm>
           <a:prstGeom prst="rect">
             <a:avLst/>
           </a:prstGeom>
         </p:spPr>
       </p:pic>
-      <p:sp>
-        <p:nvSpPr>
-          <p:cNvPr id="8" name="文本框 7">
-            <a:extLst>
-              <a:ext uri="{FF2B5EF4-FFF2-40B4-BE49-F238E27FC236}">
-                <a16:creationId xmlns:a16="http://schemas.microsoft.com/office/drawing/2014/main" id="{8DDF4140-EBE0-2A8B-7938-E82DB3FB232D}"/>
-              </a:ext>
-            </a:extLst>
-          </p:cNvPr>
-          <p:cNvSpPr txBox="1"/>
-          <p:nvPr/>
-        </p:nvSpPr>
-        <p:spPr>
-          <a:xfrm>
-            <a:off x="1285875" y="3810000"/>
-            <a:ext cx="9448800" cy="2308324"/>
-          </a:xfrm>
-          <a:prstGeom prst="rect">
-            <a:avLst/>
-          </a:prstGeom>
-          <a:noFill/>
-        </p:spPr>
-        <p:txBody>
-          <a:bodyPr wrap="square" rtlCol="0">
-            <a:spAutoFit/>
-          </a:bodyPr>
-          <a:lstStyle/>
-          <a:p>
-            <a:pPr indent="266700" algn="just"/>
-            <a:r>
-              <a:rPr lang="zh-CN" altLang="zh-CN" sz="1800" kern="100" dirty="0">
-                <a:effectLst/>
-                <a:latin typeface="Times New Roman" panose="02020603050405020304" pitchFamily="18" charset="0"/>
-                <a:ea typeface="宋体" panose="02010600030101010101" pitchFamily="2" charset="-122"/>
-              </a:rPr>
-              <a:t>初始化设备</a:t>
-            </a:r>
-            <a:r>
-              <a:rPr lang="en-US" altLang="zh-CN" sz="1800" kern="100" dirty="0" err="1">
-                <a:effectLst/>
-                <a:latin typeface="Times New Roman" panose="02020603050405020304" pitchFamily="18" charset="0"/>
-                <a:ea typeface="宋体" panose="02010600030101010101" pitchFamily="2" charset="-122"/>
-              </a:rPr>
-              <a:t>initDevice</a:t>
-            </a:r>
-            <a:r>
-              <a:rPr lang="en-US" altLang="zh-CN" sz="1800" kern="100" dirty="0">
-                <a:effectLst/>
-                <a:latin typeface="Times New Roman" panose="02020603050405020304" pitchFamily="18" charset="0"/>
-                <a:ea typeface="宋体" panose="02010600030101010101" pitchFamily="2" charset="-122"/>
-              </a:rPr>
-              <a:t>()</a:t>
-            </a:r>
-            <a:r>
-              <a:rPr lang="zh-CN" altLang="zh-CN" sz="1800" kern="100" dirty="0">
-                <a:effectLst/>
-                <a:latin typeface="Times New Roman" panose="02020603050405020304" pitchFamily="18" charset="0"/>
-                <a:ea typeface="宋体" panose="02010600030101010101" pitchFamily="2" charset="-122"/>
-              </a:rPr>
-              <a:t>需要在内存中分配内存空间，用来</a:t>
-            </a:r>
-            <a:r>
-              <a:rPr lang="zh-CN" altLang="zh-CN" sz="1800" b="1" kern="100" dirty="0">
-                <a:effectLst/>
-                <a:latin typeface="Times New Roman" panose="02020603050405020304" pitchFamily="18" charset="0"/>
-                <a:ea typeface="宋体" panose="02010600030101010101" pitchFamily="2" charset="-122"/>
-              </a:rPr>
-              <a:t>存储设备及其相关信息</a:t>
-            </a:r>
-            <a:r>
-              <a:rPr lang="zh-CN" altLang="zh-CN" sz="1800" kern="100" dirty="0">
-                <a:effectLst/>
-                <a:latin typeface="Times New Roman" panose="02020603050405020304" pitchFamily="18" charset="0"/>
-                <a:ea typeface="宋体" panose="02010600030101010101" pitchFamily="2" charset="-122"/>
-              </a:rPr>
-              <a:t>；根据设备的类型及属性，确定设备的分配方式。</a:t>
-            </a:r>
-          </a:p>
-          <a:p>
-            <a:pPr indent="266700" algn="just"/>
-            <a:r>
-              <a:rPr lang="zh-CN" altLang="zh-CN" sz="1800" kern="100" dirty="0">
-                <a:effectLst/>
-                <a:latin typeface="Times New Roman" panose="02020603050405020304" pitchFamily="18" charset="0"/>
-                <a:ea typeface="宋体" panose="02010600030101010101" pitchFamily="2" charset="-122"/>
-              </a:rPr>
-              <a:t>对每个设备类型定义对应的数据结构，用来存储设备的相关信息；根据设备的分配方式，确定设备在内存中的位置。</a:t>
-            </a:r>
-          </a:p>
-          <a:p>
-            <a:pPr indent="266700" algn="just"/>
-            <a:r>
-              <a:rPr lang="zh-CN" altLang="zh-CN" sz="1800" kern="100" dirty="0">
-                <a:effectLst/>
-                <a:latin typeface="Times New Roman" panose="02020603050405020304" pitchFamily="18" charset="0"/>
-                <a:ea typeface="宋体" panose="02010600030101010101" pitchFamily="2" charset="-122"/>
-              </a:rPr>
-              <a:t>当需要更新设备信息时</a:t>
-            </a:r>
-            <a:r>
-              <a:rPr lang="en-US" altLang="zh-CN" sz="1800" kern="100" dirty="0" err="1">
-                <a:effectLst/>
-                <a:latin typeface="Times New Roman" panose="02020603050405020304" pitchFamily="18" charset="0"/>
-                <a:ea typeface="宋体" panose="02010600030101010101" pitchFamily="2" charset="-122"/>
-              </a:rPr>
-              <a:t>updataDevice</a:t>
-            </a:r>
-            <a:r>
-              <a:rPr lang="en-US" altLang="zh-CN" sz="1800" kern="100" dirty="0">
-                <a:effectLst/>
-                <a:latin typeface="Times New Roman" panose="02020603050405020304" pitchFamily="18" charset="0"/>
-                <a:ea typeface="宋体" panose="02010600030101010101" pitchFamily="2" charset="-122"/>
-              </a:rPr>
-              <a:t>()</a:t>
-            </a:r>
-            <a:r>
-              <a:rPr lang="zh-CN" altLang="zh-CN" sz="1800" kern="100" dirty="0">
-                <a:effectLst/>
-                <a:latin typeface="Times New Roman" panose="02020603050405020304" pitchFamily="18" charset="0"/>
-                <a:ea typeface="宋体" panose="02010600030101010101" pitchFamily="2" charset="-122"/>
-              </a:rPr>
-              <a:t>，根据设备的类型和属性，调整设备在内存中的位置；当系统中的设备发生变化时，更新设备的信息，调整设备的分配方式。</a:t>
-            </a:r>
-          </a:p>
-          <a:p>
-            <a:r>
-              <a:rPr lang="en-US" altLang="zh-CN" kern="100" dirty="0">
-                <a:latin typeface="Times New Roman" panose="02020603050405020304" pitchFamily="18" charset="0"/>
-                <a:ea typeface="宋体" panose="02010600030101010101" pitchFamily="2" charset="-122"/>
-                <a:cs typeface="Times New Roman" panose="02020603050405020304" pitchFamily="18" charset="0"/>
-              </a:rPr>
-              <a:t>     </a:t>
-            </a:r>
-            <a:r>
-              <a:rPr lang="zh-CN" altLang="zh-CN" sz="1800" kern="100" dirty="0">
-                <a:effectLst/>
-                <a:latin typeface="Times New Roman" panose="02020603050405020304" pitchFamily="18" charset="0"/>
-                <a:ea typeface="宋体" panose="02010600030101010101" pitchFamily="2" charset="-122"/>
-                <a:cs typeface="Times New Roman" panose="02020603050405020304" pitchFamily="18" charset="0"/>
-              </a:rPr>
-              <a:t>当进程需要调用或访问设备时</a:t>
-            </a:r>
-            <a:r>
-              <a:rPr lang="en-US" altLang="zh-CN" sz="1800" kern="100" dirty="0" err="1">
-                <a:effectLst/>
-                <a:latin typeface="Times New Roman" panose="02020603050405020304" pitchFamily="18" charset="0"/>
-                <a:ea typeface="宋体" panose="02010600030101010101" pitchFamily="2" charset="-122"/>
-              </a:rPr>
-              <a:t>callDevice</a:t>
-            </a:r>
-            <a:r>
-              <a:rPr lang="en-US" altLang="zh-CN" sz="1800" kern="100" dirty="0">
-                <a:effectLst/>
-                <a:latin typeface="Times New Roman" panose="02020603050405020304" pitchFamily="18" charset="0"/>
-                <a:ea typeface="宋体" panose="02010600030101010101" pitchFamily="2" charset="-122"/>
-              </a:rPr>
-              <a:t>()</a:t>
-            </a:r>
-            <a:r>
-              <a:rPr lang="zh-CN" altLang="zh-CN" sz="1800" kern="100" dirty="0">
-                <a:effectLst/>
-                <a:latin typeface="Times New Roman" panose="02020603050405020304" pitchFamily="18" charset="0"/>
-                <a:ea typeface="宋体" panose="02010600030101010101" pitchFamily="2" charset="-122"/>
-                <a:cs typeface="Times New Roman" panose="02020603050405020304" pitchFamily="18" charset="0"/>
-              </a:rPr>
-              <a:t>，根据设备的类型、属性和状态，调用对应的访问函数或进入等待队列。</a:t>
-            </a:r>
-            <a:endParaRPr lang="zh-CN" altLang="en-US" dirty="0"/>
-          </a:p>
-        </p:txBody>
-      </p:sp>
     </p:spTree>
     <p:extLst>
       <p:ext uri="{BB962C8B-B14F-4D97-AF65-F5344CB8AC3E}">
@@ -8275,7 +8544,7 @@
                 <a:latin typeface="Times New Roman" panose="02020603050405020304" pitchFamily="18" charset="0"/>
                 <a:ea typeface="宋体" panose="02010600030101010101" pitchFamily="2" charset="-122"/>
               </a:rPr>
-              <a:t>1. </a:t>
+              <a:t>1.  </a:t>
             </a:r>
             <a:r>
               <a:rPr lang="zh-CN" altLang="zh-CN" sz="1800" kern="100" dirty="0">
@@ -8294,12 +8563,39 @@
               <a:t>使用</a:t>
             </a:r>
             <a:r>
-              <a:rPr lang="zh-CN" altLang="zh-CN" sz="1800" kern="100" dirty="0">
-                <a:effectLst/>
-                <a:latin typeface="Times New Roman" panose="02020603050405020304" pitchFamily="18" charset="0"/>
-                <a:ea typeface="宋体" panose="02010600030101010101" pitchFamily="2" charset="-122"/>
-              </a:rPr>
-              <a:t>短作业优先、时间片轮转等算法。</a:t>
+              <a:rPr lang="zh-CN" altLang="zh-CN" sz="1800" b="1" kern="100" dirty="0">
+                <a:solidFill>
+                  <a:srgbClr val="FF0000"/>
+                </a:solidFill>
+                <a:effectLst/>
+                <a:latin typeface="Times New Roman" panose="02020603050405020304" pitchFamily="18" charset="0"/>
+                <a:ea typeface="宋体" panose="02010600030101010101" pitchFamily="2" charset="-122"/>
+              </a:rPr>
+              <a:t>短作业优先、时间片轮转</a:t>
+            </a:r>
+            <a:r>
+              <a:rPr lang="zh-CN" altLang="zh-CN" sz="1800" kern="100" dirty="0">
+                <a:effectLst/>
+                <a:latin typeface="Times New Roman" panose="02020603050405020304" pitchFamily="18" charset="0"/>
+                <a:ea typeface="宋体" panose="02010600030101010101" pitchFamily="2" charset="-122"/>
+              </a:rPr>
+              <a:t>算法</a:t>
+            </a:r>
+            <a:r>
+              <a:rPr lang="zh-CN" altLang="en-US" sz="1800" kern="100" dirty="0">
+                <a:effectLst/>
+                <a:latin typeface="Times New Roman" panose="02020603050405020304" pitchFamily="18" charset="0"/>
+                <a:ea typeface="宋体" panose="02010600030101010101" pitchFamily="2" charset="-122"/>
+              </a:rPr>
+              <a:t>实现调度</a:t>
+            </a:r>
+            <a:r>
+              <a:rPr lang="zh-CN" altLang="zh-CN" sz="1800" kern="100" dirty="0">
+                <a:effectLst/>
+                <a:latin typeface="Times New Roman" panose="02020603050405020304" pitchFamily="18" charset="0"/>
+                <a:ea typeface="宋体" panose="02010600030101010101" pitchFamily="2" charset="-122"/>
+              </a:rPr>
+              <a:t>。</a:t>
             </a:r>
           </a:p>
           <a:p>
@@ -8318,7 +8614,26 @@
                 <a:latin typeface="Times New Roman" panose="02020603050405020304" pitchFamily="18" charset="0"/>
                 <a:ea typeface="宋体" panose="02010600030101010101" pitchFamily="2" charset="-122"/>
               </a:rPr>
-              <a:t>虚拟内存技术：用于实现内存管理，常见的有分页和分段两种方式。可以采用页表、缺页中断等技术实现虚拟内存的管理。</a:t>
+              <a:t>虚拟内存技术：用于实现内存管理，常见的有分页和分段两种方式。采用</a:t>
+            </a:r>
+            <a:r>
+              <a:rPr lang="zh-CN" altLang="zh-CN" sz="1800" b="1" kern="100" dirty="0">
+                <a:solidFill>
+                  <a:srgbClr val="FF0000"/>
+                </a:solidFill>
+                <a:effectLst/>
+                <a:latin typeface="Times New Roman" panose="02020603050405020304" pitchFamily="18" charset="0"/>
+                <a:ea typeface="宋体" panose="02010600030101010101" pitchFamily="2" charset="-122"/>
+              </a:rPr>
+              <a:t>页表</a:t>
+            </a:r>
+            <a:r>
+              <a:rPr lang="zh-CN" altLang="zh-CN" sz="1800" kern="100" dirty="0">
+                <a:effectLst/>
+                <a:latin typeface="Times New Roman" panose="02020603050405020304" pitchFamily="18" charset="0"/>
+                <a:ea typeface="宋体" panose="02010600030101010101" pitchFamily="2" charset="-122"/>
+              </a:rPr>
+              <a:t>、缺页中断技术实现虚拟内存的管理。</a:t>
             </a:r>
           </a:p>
           <a:p>
@@ -8337,84 +8652,82 @@
                 <a:latin typeface="Times New Roman" panose="02020603050405020304" pitchFamily="18" charset="0"/>
                 <a:ea typeface="宋体" panose="02010600030101010101" pitchFamily="2" charset="-122"/>
               </a:rPr>
-              <a:t>文件系统管理算法：用于实现文件的存储和管理，常见的有</a:t>
-            </a:r>
+              <a:t>文件系统管理算法：用于实现文件的存储和管理，可以采用</a:t>
+            </a:r>
+            <a:r>
+              <a:rPr lang="zh-CN" altLang="zh-CN" sz="1800" b="1" kern="100" dirty="0">
+                <a:solidFill>
+                  <a:srgbClr val="FF0000"/>
+                </a:solidFill>
+                <a:effectLst/>
+                <a:latin typeface="Times New Roman" panose="02020603050405020304" pitchFamily="18" charset="0"/>
+                <a:ea typeface="宋体" panose="02010600030101010101" pitchFamily="2" charset="-122"/>
+              </a:rPr>
+              <a:t>索引节点、目录结构</a:t>
+            </a:r>
+            <a:r>
+              <a:rPr lang="zh-CN" altLang="zh-CN" sz="1800" kern="100" dirty="0">
+                <a:effectLst/>
+                <a:latin typeface="Times New Roman" panose="02020603050405020304" pitchFamily="18" charset="0"/>
+                <a:ea typeface="宋体" panose="02010600030101010101" pitchFamily="2" charset="-122"/>
+              </a:rPr>
+              <a:t>等技术实现文件的读写和管理。</a:t>
+            </a:r>
+          </a:p>
+          <a:p>
+            <a:pPr indent="266700" algn="just"/>
             <a:r>
               <a:rPr lang="en-US" altLang="zh-CN" sz="1800" kern="100" dirty="0">
                 <a:effectLst/>
                 <a:latin typeface="Times New Roman" panose="02020603050405020304" pitchFamily="18" charset="0"/>
                 <a:ea typeface="宋体" panose="02010600030101010101" pitchFamily="2" charset="-122"/>
               </a:rPr>
-              <a:t>FAT</a:t>
-            </a:r>
-            <a:r>
-              <a:rPr lang="zh-CN" altLang="zh-CN" sz="1800" kern="100" dirty="0">
-                <a:effectLst/>
-                <a:latin typeface="Times New Roman" panose="02020603050405020304" pitchFamily="18" charset="0"/>
-                <a:ea typeface="宋体" panose="02010600030101010101" pitchFamily="2" charset="-122"/>
-              </a:rPr>
-              <a:t>、</a:t>
-            </a:r>
+              <a:t>4.  </a:t>
+            </a:r>
+            <a:r>
+              <a:rPr lang="zh-CN" altLang="zh-CN" sz="1800" kern="100" dirty="0">
+                <a:effectLst/>
+                <a:latin typeface="Times New Roman" panose="02020603050405020304" pitchFamily="18" charset="0"/>
+                <a:ea typeface="宋体" panose="02010600030101010101" pitchFamily="2" charset="-122"/>
+              </a:rPr>
+              <a:t>安全性技术：包括</a:t>
+            </a:r>
+            <a:r>
+              <a:rPr lang="zh-CN" altLang="zh-CN" sz="1800" b="1" kern="100" dirty="0">
+                <a:solidFill>
+                  <a:srgbClr val="FF0000"/>
+                </a:solidFill>
+                <a:effectLst/>
+                <a:latin typeface="Times New Roman" panose="02020603050405020304" pitchFamily="18" charset="0"/>
+                <a:ea typeface="宋体" panose="02010600030101010101" pitchFamily="2" charset="-122"/>
+              </a:rPr>
+              <a:t>权限管理</a:t>
+            </a:r>
+            <a:r>
+              <a:rPr lang="zh-CN" altLang="en-US" sz="1800" kern="100" dirty="0">
+                <a:effectLst/>
+                <a:latin typeface="Times New Roman" panose="02020603050405020304" pitchFamily="18" charset="0"/>
+                <a:ea typeface="宋体" panose="02010600030101010101" pitchFamily="2" charset="-122"/>
+              </a:rPr>
+              <a:t>，</a:t>
+            </a:r>
+            <a:r>
+              <a:rPr lang="zh-CN" altLang="zh-CN" sz="1800" kern="100" dirty="0">
+                <a:effectLst/>
+                <a:latin typeface="Times New Roman" panose="02020603050405020304" pitchFamily="18" charset="0"/>
+                <a:ea typeface="宋体" panose="02010600030101010101" pitchFamily="2" charset="-122"/>
+              </a:rPr>
+              <a:t>用于保护数据的安全和隐私。</a:t>
+            </a:r>
+          </a:p>
+          <a:p>
+            <a:pPr indent="266700" algn="just"/>
             <a:r>
               <a:rPr lang="en-US" altLang="zh-CN" sz="1800" kern="100" dirty="0">
                 <a:effectLst/>
                 <a:latin typeface="Times New Roman" panose="02020603050405020304" pitchFamily="18" charset="0"/>
                 <a:ea typeface="宋体" panose="02010600030101010101" pitchFamily="2" charset="-122"/>
               </a:rPr>
-              <a:t>NTFS</a:t>
-            </a:r>
-            <a:r>
-              <a:rPr lang="zh-CN" altLang="zh-CN" sz="1800" kern="100" dirty="0">
-                <a:effectLst/>
-                <a:latin typeface="Times New Roman" panose="02020603050405020304" pitchFamily="18" charset="0"/>
-                <a:ea typeface="宋体" panose="02010600030101010101" pitchFamily="2" charset="-122"/>
-              </a:rPr>
-              <a:t>、</a:t>
-            </a:r>
-            <a:r>
-              <a:rPr lang="en-US" altLang="zh-CN" sz="1800" kern="100" dirty="0">
-                <a:effectLst/>
-                <a:latin typeface="Times New Roman" panose="02020603050405020304" pitchFamily="18" charset="0"/>
-                <a:ea typeface="宋体" panose="02010600030101010101" pitchFamily="2" charset="-122"/>
-              </a:rPr>
-              <a:t>EXT</a:t>
-            </a:r>
-            <a:r>
-              <a:rPr lang="zh-CN" altLang="zh-CN" sz="1800" kern="100" dirty="0">
-                <a:effectLst/>
-                <a:latin typeface="Times New Roman" panose="02020603050405020304" pitchFamily="18" charset="0"/>
-                <a:ea typeface="宋体" panose="02010600030101010101" pitchFamily="2" charset="-122"/>
-              </a:rPr>
-              <a:t>等文件系统。可以采用索引节点、目录结构等技术实现文件的读写和管理。</a:t>
-            </a:r>
-          </a:p>
-          <a:p>
-            <a:pPr indent="266700" algn="just"/>
-            <a:r>
-              <a:rPr lang="en-US" altLang="zh-CN" sz="1800" kern="100" dirty="0">
-                <a:effectLst/>
-                <a:latin typeface="Times New Roman" panose="02020603050405020304" pitchFamily="18" charset="0"/>
-                <a:ea typeface="宋体" panose="02010600030101010101" pitchFamily="2" charset="-122"/>
-              </a:rPr>
-              <a:t>4. </a:t>
-            </a:r>
-            <a:r>
-              <a:rPr lang="zh-CN" altLang="zh-CN" sz="1800" kern="100" dirty="0">
-                <a:effectLst/>
-                <a:latin typeface="Times New Roman" panose="02020603050405020304" pitchFamily="18" charset="0"/>
-                <a:ea typeface="宋体" panose="02010600030101010101" pitchFamily="2" charset="-122"/>
-              </a:rPr>
-              <a:t>安全性技术：包括权限管理、加密解密等技术，用于保护数据的安全和隐私。</a:t>
-            </a:r>
-          </a:p>
-          <a:p>
-            <a:pPr indent="266700" algn="just"/>
-            <a:r>
-              <a:rPr lang="en-US" altLang="zh-CN" sz="1800" kern="100" dirty="0">
-                <a:effectLst/>
-                <a:latin typeface="Times New Roman" panose="02020603050405020304" pitchFamily="18" charset="0"/>
-                <a:ea typeface="宋体" panose="02010600030101010101" pitchFamily="2" charset="-122"/>
-              </a:rPr>
               <a:t>5. </a:t>
             </a:r>
             <a:r>
@@ -8423,7 +8736,26 @@
                 <a:latin typeface="Times New Roman" panose="02020603050405020304" pitchFamily="18" charset="0"/>
                 <a:ea typeface="宋体" panose="02010600030101010101" pitchFamily="2" charset="-122"/>
               </a:rPr>
-              <a:t>自动化测试和单元测试技术：用于实现软件质量的保证，可以采用自动化测试和单元测试等技术实现软件质量的检查和评估。</a:t>
+              <a:t>自动化测试和单元测试技术：用于实现软件质量的保证，采用</a:t>
+            </a:r>
+            <a:r>
+              <a:rPr lang="zh-CN" altLang="zh-CN" sz="1800" b="1" kern="100" dirty="0">
+                <a:solidFill>
+                  <a:srgbClr val="FF0000"/>
+                </a:solidFill>
+                <a:effectLst/>
+                <a:latin typeface="Times New Roman" panose="02020603050405020304" pitchFamily="18" charset="0"/>
+                <a:ea typeface="宋体" panose="02010600030101010101" pitchFamily="2" charset="-122"/>
+              </a:rPr>
+              <a:t>自动化测试和单元测试</a:t>
+            </a:r>
+            <a:r>
+              <a:rPr lang="zh-CN" altLang="zh-CN" sz="1800" kern="100" dirty="0">
+                <a:effectLst/>
+                <a:latin typeface="Times New Roman" panose="02020603050405020304" pitchFamily="18" charset="0"/>
+                <a:ea typeface="宋体" panose="02010600030101010101" pitchFamily="2" charset="-122"/>
+              </a:rPr>
+              <a:t>等技术实现软件质量的检查和评估。</a:t>
             </a:r>
           </a:p>
         </p:txBody>
@@ -8578,8 +8910,8 @@
         </p:nvSpPr>
         <p:spPr>
           <a:xfrm>
-            <a:off x="994244" y="2274838"/>
-            <a:ext cx="9925050" cy="2862322"/>
+            <a:off x="994243" y="2274838"/>
+            <a:ext cx="10292881" cy="3416320"/>
           </a:xfrm>
           <a:prstGeom prst="rect">
             <a:avLst/>
@@ -8607,8 +8939,37 @@
                 <a:latin typeface="Times New Roman" panose="02020603050405020304" pitchFamily="18" charset="0"/>
                 <a:ea typeface="宋体" panose="02010600030101010101" pitchFamily="2" charset="-122"/>
               </a:rPr>
-              <a:t>用户登录系统并启动软件。</a:t>
-            </a:r>
+              <a:t>用户</a:t>
+            </a:r>
+            <a:r>
+              <a:rPr lang="zh-CN" altLang="zh-CN" sz="1800" b="1" kern="100" dirty="0">
+                <a:effectLst/>
+                <a:latin typeface="Times New Roman" panose="02020603050405020304" pitchFamily="18" charset="0"/>
+                <a:ea typeface="宋体" panose="02010600030101010101" pitchFamily="2" charset="-122"/>
+              </a:rPr>
+              <a:t>登录</a:t>
+            </a:r>
+            <a:r>
+              <a:rPr lang="zh-CN" altLang="zh-CN" sz="1800" kern="100" dirty="0">
+                <a:effectLst/>
+                <a:latin typeface="Times New Roman" panose="02020603050405020304" pitchFamily="18" charset="0"/>
+                <a:ea typeface="宋体" panose="02010600030101010101" pitchFamily="2" charset="-122"/>
+              </a:rPr>
+              <a:t>系统并启动软件</a:t>
+            </a:r>
+            <a:r>
+              <a:rPr lang="zh-CN" altLang="en-US" sz="1800" kern="100" dirty="0">
+                <a:effectLst/>
+                <a:latin typeface="Times New Roman" panose="02020603050405020304" pitchFamily="18" charset="0"/>
+                <a:ea typeface="宋体" panose="02010600030101010101" pitchFamily="2" charset="-122"/>
+              </a:rPr>
+              <a:t>，系统初始化。</a:t>
+            </a:r>
+            <a:endParaRPr lang="zh-CN" altLang="zh-CN" sz="1800" kern="100" dirty="0">
+              <a:effectLst/>
+              <a:latin typeface="Times New Roman" panose="02020603050405020304" pitchFamily="18" charset="0"/>
+              <a:ea typeface="宋体" panose="02010600030101010101" pitchFamily="2" charset="-122"/>
+            </a:endParaRPr>
           </a:p>
           <a:p>
             <a:pPr indent="266700" algn="just"/>
@@ -8626,7 +8987,31 @@
                 <a:latin typeface="Times New Roman" panose="02020603050405020304" pitchFamily="18" charset="0"/>
                 <a:ea typeface="宋体" panose="02010600030101010101" pitchFamily="2" charset="-122"/>
               </a:rPr>
-              <a:t>界面显示操作系统主界面，包括进程、内存、文件和设备等管理模块。</a:t>
+              <a:t>界面显示操作系统</a:t>
+            </a:r>
+            <a:r>
+              <a:rPr lang="zh-CN" altLang="zh-CN" sz="1800" b="1" kern="100" dirty="0">
+                <a:effectLst/>
+                <a:latin typeface="Times New Roman" panose="02020603050405020304" pitchFamily="18" charset="0"/>
+                <a:ea typeface="宋体" panose="02010600030101010101" pitchFamily="2" charset="-122"/>
+              </a:rPr>
+              <a:t>主界面</a:t>
+            </a:r>
+            <a:r>
+              <a:rPr lang="zh-CN" altLang="en-US" sz="1800" b="1" kern="100" dirty="0">
+                <a:effectLst/>
+                <a:latin typeface="Times New Roman" panose="02020603050405020304" pitchFamily="18" charset="0"/>
+                <a:ea typeface="宋体" panose="02010600030101010101" pitchFamily="2" charset="-122"/>
+              </a:rPr>
+              <a:t>命令行界面</a:t>
+            </a:r>
+            <a:r>
+              <a:rPr lang="zh-CN" altLang="zh-CN" sz="1800" kern="100" dirty="0">
+                <a:effectLst/>
+                <a:latin typeface="Times New Roman" panose="02020603050405020304" pitchFamily="18" charset="0"/>
+                <a:ea typeface="宋体" panose="02010600030101010101" pitchFamily="2" charset="-122"/>
+              </a:rPr>
+              <a:t>。</a:t>
             </a:r>
           </a:p>
           <a:p>
@@ -8645,7 +9030,71 @@
                 <a:latin typeface="Times New Roman" panose="02020603050405020304" pitchFamily="18" charset="0"/>
                 <a:ea typeface="宋体" panose="02010600030101010101" pitchFamily="2" charset="-122"/>
               </a:rPr>
-              <a:t>用户可以通过界面选择相应的管理模块，进入对应的界面进行操作。</a:t>
+              <a:t>用户可以通过</a:t>
+            </a:r>
+            <a:r>
+              <a:rPr lang="zh-CN" altLang="en-US" sz="1800" kern="100" dirty="0">
+                <a:effectLst/>
+                <a:latin typeface="Times New Roman" panose="02020603050405020304" pitchFamily="18" charset="0"/>
+                <a:ea typeface="宋体" panose="02010600030101010101" pitchFamily="2" charset="-122"/>
+              </a:rPr>
+              <a:t>主</a:t>
+            </a:r>
+            <a:r>
+              <a:rPr lang="zh-CN" altLang="zh-CN" sz="1800" kern="100" dirty="0">
+                <a:effectLst/>
+                <a:latin typeface="Times New Roman" panose="02020603050405020304" pitchFamily="18" charset="0"/>
+                <a:ea typeface="宋体" panose="02010600030101010101" pitchFamily="2" charset="-122"/>
+              </a:rPr>
+              <a:t>界面</a:t>
+            </a:r>
+            <a:r>
+              <a:rPr lang="zh-CN" altLang="en-US" sz="1800" kern="100" dirty="0">
+                <a:effectLst/>
+                <a:latin typeface="Times New Roman" panose="02020603050405020304" pitchFamily="18" charset="0"/>
+                <a:ea typeface="宋体" panose="02010600030101010101" pitchFamily="2" charset="-122"/>
+              </a:rPr>
+              <a:t>输入命令进入</a:t>
+            </a:r>
+            <a:r>
+              <a:rPr lang="zh-CN" altLang="zh-CN" sz="1800" kern="100" dirty="0">
+                <a:effectLst/>
+                <a:latin typeface="Times New Roman" panose="02020603050405020304" pitchFamily="18" charset="0"/>
+                <a:ea typeface="宋体" panose="02010600030101010101" pitchFamily="2" charset="-122"/>
+              </a:rPr>
+              <a:t>相应的</a:t>
+            </a:r>
+            <a:r>
+              <a:rPr lang="zh-CN" altLang="en-US" sz="1800" b="1" kern="100" dirty="0">
+                <a:effectLst/>
+                <a:latin typeface="Times New Roman" panose="02020603050405020304" pitchFamily="18" charset="0"/>
+                <a:ea typeface="宋体" panose="02010600030101010101" pitchFamily="2" charset="-122"/>
+              </a:rPr>
+              <a:t>子界面或是使用命令进行操作</a:t>
+            </a:r>
+            <a:r>
+              <a:rPr lang="zh-CN" altLang="zh-CN" sz="1800" kern="100" dirty="0">
+                <a:effectLst/>
+                <a:latin typeface="Times New Roman" panose="02020603050405020304" pitchFamily="18" charset="0"/>
+                <a:ea typeface="宋体" panose="02010600030101010101" pitchFamily="2" charset="-122"/>
+              </a:rPr>
+              <a:t>，进入对应的界面</a:t>
+            </a:r>
+            <a:r>
+              <a:rPr lang="zh-CN" altLang="en-US" sz="1800" kern="100" dirty="0">
+                <a:effectLst/>
+                <a:latin typeface="Times New Roman" panose="02020603050405020304" pitchFamily="18" charset="0"/>
+                <a:ea typeface="宋体" panose="02010600030101010101" pitchFamily="2" charset="-122"/>
+              </a:rPr>
+              <a:t>查看或</a:t>
+            </a:r>
+            <a:r>
+              <a:rPr lang="zh-CN" altLang="zh-CN" sz="1800" kern="100" dirty="0">
+                <a:effectLst/>
+                <a:latin typeface="Times New Roman" panose="02020603050405020304" pitchFamily="18" charset="0"/>
+                <a:ea typeface="宋体" panose="02010600030101010101" pitchFamily="2" charset="-122"/>
+              </a:rPr>
+              <a:t>进行操作。</a:t>
             </a:r>
           </a:p>
           <a:p>
@@ -8656,15 +9105,37 @@
                 <a:latin typeface="Times New Roman" panose="02020603050405020304" pitchFamily="18" charset="0"/>
                 <a:ea typeface="宋体" panose="02010600030101010101" pitchFamily="2" charset="-122"/>
               </a:rPr>
-              <a:t>4. </a:t>
-            </a:r>
-            <a:r>
-              <a:rPr lang="zh-CN" altLang="zh-CN" sz="1800" kern="100" dirty="0">
-                <a:effectLst/>
-                <a:latin typeface="Times New Roman" panose="02020603050405020304" pitchFamily="18" charset="0"/>
-                <a:ea typeface="宋体" panose="02010600030101010101" pitchFamily="2" charset="-122"/>
-              </a:rPr>
-              <a:t>进程管理模块：用户可以查看当前正在运行的进程、创建新进程、暂停、恢复和终止进程等操作。</a:t>
+              <a:t>	</a:t>
+            </a:r>
+            <a:r>
+              <a:rPr lang="zh-CN" altLang="zh-CN" sz="1800" kern="100" dirty="0">
+                <a:effectLst/>
+                <a:latin typeface="Times New Roman" panose="02020603050405020304" pitchFamily="18" charset="0"/>
+                <a:ea typeface="宋体" panose="02010600030101010101" pitchFamily="2" charset="-122"/>
+              </a:rPr>
+              <a:t>进程管理模块</a:t>
+            </a:r>
+            <a:r>
+              <a:rPr lang="zh-CN" altLang="en-US" kern="100" dirty="0">
+                <a:latin typeface="Times New Roman" panose="02020603050405020304" pitchFamily="18" charset="0"/>
+                <a:ea typeface="宋体" panose="02010600030101010101" pitchFamily="2" charset="-122"/>
+              </a:rPr>
+              <a:t>和</a:t>
+            </a:r>
+            <a:r>
+              <a:rPr lang="zh-CN" altLang="en-US" b="1" kern="100" dirty="0">
+                <a:latin typeface="Times New Roman" panose="02020603050405020304" pitchFamily="18" charset="0"/>
+                <a:ea typeface="宋体" panose="02010600030101010101" pitchFamily="2" charset="-122"/>
+              </a:rPr>
+              <a:t>进程子界面</a:t>
+            </a:r>
+            <a:r>
+              <a:rPr lang="zh-CN" altLang="zh-CN" sz="1800" kern="100" dirty="0">
+                <a:effectLst/>
+                <a:latin typeface="Times New Roman" panose="02020603050405020304" pitchFamily="18" charset="0"/>
+                <a:ea typeface="宋体" panose="02010600030101010101" pitchFamily="2" charset="-122"/>
+              </a:rPr>
+              <a:t>：用户可以查看当前正在运行的进程、创建新进程、暂停、恢复和终止进程等操作。</a:t>
             </a:r>
           </a:p>
           <a:p>
@@ -8675,92 +9146,181 @@
                 <a:latin typeface="Times New Roman" panose="02020603050405020304" pitchFamily="18" charset="0"/>
                 <a:ea typeface="宋体" panose="02010600030101010101" pitchFamily="2" charset="-122"/>
               </a:rPr>
-              <a:t>5. </a:t>
-            </a:r>
-            <a:r>
-              <a:rPr lang="zh-CN" altLang="zh-CN" sz="1800" kern="100" dirty="0">
-                <a:effectLst/>
-                <a:latin typeface="Times New Roman" panose="02020603050405020304" pitchFamily="18" charset="0"/>
-                <a:ea typeface="宋体" panose="02010600030101010101" pitchFamily="2" charset="-122"/>
-              </a:rPr>
-              <a:t>内存管理模块：用户可以查看当前内存使用情况、申请和释放内存等操作。</a:t>
+              <a:t>	</a:t>
+            </a:r>
+            <a:r>
+              <a:rPr lang="zh-CN" altLang="zh-CN" sz="1800" kern="100" dirty="0">
+                <a:effectLst/>
+                <a:latin typeface="Times New Roman" panose="02020603050405020304" pitchFamily="18" charset="0"/>
+                <a:ea typeface="宋体" panose="02010600030101010101" pitchFamily="2" charset="-122"/>
+              </a:rPr>
+              <a:t>内存管理模块</a:t>
+            </a:r>
+            <a:r>
+              <a:rPr lang="zh-CN" altLang="en-US" sz="1800" kern="100" dirty="0">
+                <a:effectLst/>
+                <a:latin typeface="Times New Roman" panose="02020603050405020304" pitchFamily="18" charset="0"/>
+                <a:ea typeface="宋体" panose="02010600030101010101" pitchFamily="2" charset="-122"/>
+              </a:rPr>
+              <a:t>和</a:t>
+            </a:r>
+            <a:r>
+              <a:rPr lang="zh-CN" altLang="en-US" sz="1800" b="1" kern="100" dirty="0">
+                <a:effectLst/>
+                <a:latin typeface="Times New Roman" panose="02020603050405020304" pitchFamily="18" charset="0"/>
+                <a:ea typeface="宋体" panose="02010600030101010101" pitchFamily="2" charset="-122"/>
+              </a:rPr>
+              <a:t>内存子界面</a:t>
+            </a:r>
+            <a:r>
+              <a:rPr lang="zh-CN" altLang="zh-CN" sz="1800" kern="100" dirty="0">
+                <a:effectLst/>
+                <a:latin typeface="Times New Roman" panose="02020603050405020304" pitchFamily="18" charset="0"/>
+                <a:ea typeface="宋体" panose="02010600030101010101" pitchFamily="2" charset="-122"/>
+              </a:rPr>
+              <a:t>：用户可以查看当前内存使用情况、申请和释放内存等操作。</a:t>
             </a:r>
           </a:p>
           <a:p>
             <a:pPr indent="266700" algn="just"/>
             <a:r>
+              <a:rPr lang="en-US" altLang="zh-CN" kern="100" dirty="0">
+                <a:latin typeface="Times New Roman" panose="02020603050405020304" pitchFamily="18" charset="0"/>
+                <a:ea typeface="宋体" panose="02010600030101010101" pitchFamily="2" charset="-122"/>
+              </a:rPr>
+              <a:t>	</a:t>
+            </a:r>
+            <a:r>
+              <a:rPr lang="zh-CN" altLang="zh-CN" sz="1800" kern="100" dirty="0">
+                <a:effectLst/>
+                <a:latin typeface="Times New Roman" panose="02020603050405020304" pitchFamily="18" charset="0"/>
+                <a:ea typeface="宋体" panose="02010600030101010101" pitchFamily="2" charset="-122"/>
+              </a:rPr>
+              <a:t>文件管理模块：用户可以查看当前文件列表、创建、打开、读取、写入和关闭文件等操作。</a:t>
+            </a:r>
+          </a:p>
+          <a:p>
+            <a:pPr indent="266700" algn="just"/>
+            <a:r>
               <a:rPr lang="en-US" altLang="zh-CN" sz="1800" kern="100" dirty="0">
                 <a:effectLst/>
                 <a:latin typeface="Times New Roman" panose="02020603050405020304" pitchFamily="18" charset="0"/>
                 <a:ea typeface="宋体" panose="02010600030101010101" pitchFamily="2" charset="-122"/>
               </a:rPr>
-              <a:t>6. </a:t>
-            </a:r>
-            <a:r>
-              <a:rPr lang="zh-CN" altLang="zh-CN" sz="1800" kern="100" dirty="0">
-                <a:effectLst/>
-                <a:latin typeface="Times New Roman" panose="02020603050405020304" pitchFamily="18" charset="0"/>
-                <a:ea typeface="宋体" panose="02010600030101010101" pitchFamily="2" charset="-122"/>
-              </a:rPr>
-              <a:t>文件管理模块：用户可以查看当前文件列表、创建、打开、读取、写入和关闭文件等操作。</a:t>
+              <a:t>	</a:t>
+            </a:r>
+            <a:r>
+              <a:rPr lang="zh-CN" altLang="zh-CN" sz="1800" kern="100" dirty="0">
+                <a:effectLst/>
+                <a:latin typeface="Times New Roman" panose="02020603050405020304" pitchFamily="18" charset="0"/>
+                <a:ea typeface="宋体" panose="02010600030101010101" pitchFamily="2" charset="-122"/>
+              </a:rPr>
+              <a:t>设备管理模块</a:t>
+            </a:r>
+            <a:r>
+              <a:rPr lang="zh-CN" altLang="en-US" sz="1800" kern="100" dirty="0">
+                <a:effectLst/>
+                <a:latin typeface="Times New Roman" panose="02020603050405020304" pitchFamily="18" charset="0"/>
+                <a:ea typeface="宋体" panose="02010600030101010101" pitchFamily="2" charset="-122"/>
+              </a:rPr>
+              <a:t>和</a:t>
+            </a:r>
+            <a:r>
+              <a:rPr lang="zh-CN" altLang="en-US" sz="1800" b="1" kern="100" dirty="0">
+                <a:effectLst/>
+                <a:latin typeface="Times New Roman" panose="02020603050405020304" pitchFamily="18" charset="0"/>
+                <a:ea typeface="宋体" panose="02010600030101010101" pitchFamily="2" charset="-122"/>
+              </a:rPr>
+              <a:t>设备管理子界面</a:t>
+            </a:r>
+            <a:r>
+              <a:rPr lang="zh-CN" altLang="zh-CN" sz="1800" kern="100" dirty="0">
+                <a:effectLst/>
+                <a:latin typeface="Times New Roman" panose="02020603050405020304" pitchFamily="18" charset="0"/>
+                <a:ea typeface="宋体" panose="02010600030101010101" pitchFamily="2" charset="-122"/>
+              </a:rPr>
+              <a:t>：用户可以查看当前设备列表、申请和释放设备、进行设备读写操作等操作。</a:t>
             </a:r>
           </a:p>
           <a:p>
             <a:pPr indent="266700" algn="just"/>
             <a:r>
+              <a:rPr lang="en-US" altLang="zh-CN" kern="100" dirty="0">
+                <a:latin typeface="Times New Roman" panose="02020603050405020304" pitchFamily="18" charset="0"/>
+                <a:ea typeface="宋体" panose="02010600030101010101" pitchFamily="2" charset="-122"/>
+              </a:rPr>
+              <a:t>4</a:t>
+            </a:r>
+            <a:r>
               <a:rPr lang="en-US" altLang="zh-CN" sz="1800" kern="100" dirty="0">
                 <a:effectLst/>
                 <a:latin typeface="Times New Roman" panose="02020603050405020304" pitchFamily="18" charset="0"/>
                 <a:ea typeface="宋体" panose="02010600030101010101" pitchFamily="2" charset="-122"/>
               </a:rPr>
-              <a:t>7. </a:t>
-            </a:r>
-            <a:r>
-              <a:rPr lang="zh-CN" altLang="zh-CN" sz="1800" kern="100" dirty="0">
-                <a:effectLst/>
-                <a:latin typeface="Times New Roman" panose="02020603050405020304" pitchFamily="18" charset="0"/>
-                <a:ea typeface="宋体" panose="02010600030101010101" pitchFamily="2" charset="-122"/>
-              </a:rPr>
-              <a:t>设备管理模块：用户可以查看当前设备列表、申请和释放设备、进行设备读写操作等操作。</a:t>
+              <a:t>. </a:t>
+            </a:r>
+            <a:r>
+              <a:rPr lang="zh-CN" altLang="zh-CN" sz="1800" kern="100" dirty="0">
+                <a:effectLst/>
+                <a:latin typeface="Times New Roman" panose="02020603050405020304" pitchFamily="18" charset="0"/>
+                <a:ea typeface="宋体" panose="02010600030101010101" pitchFamily="2" charset="-122"/>
+              </a:rPr>
+              <a:t>用户对系统进行操作后，界面会</a:t>
+            </a:r>
+            <a:r>
+              <a:rPr lang="zh-CN" altLang="zh-CN" sz="1800" b="1" kern="100" dirty="0">
+                <a:effectLst/>
+                <a:latin typeface="Times New Roman" panose="02020603050405020304" pitchFamily="18" charset="0"/>
+                <a:ea typeface="宋体" panose="02010600030101010101" pitchFamily="2" charset="-122"/>
+              </a:rPr>
+              <a:t>实时更新相应的信息</a:t>
+            </a:r>
+            <a:r>
+              <a:rPr lang="zh-CN" altLang="zh-CN" sz="1800" kern="100" dirty="0">
+                <a:effectLst/>
+                <a:latin typeface="Times New Roman" panose="02020603050405020304" pitchFamily="18" charset="0"/>
+                <a:ea typeface="宋体" panose="02010600030101010101" pitchFamily="2" charset="-122"/>
+              </a:rPr>
+              <a:t>，以反映系统的最新状态。</a:t>
             </a:r>
           </a:p>
           <a:p>
             <a:pPr indent="266700" algn="just"/>
             <a:r>
+              <a:rPr lang="en-US" altLang="zh-CN" kern="100" dirty="0">
+                <a:latin typeface="Times New Roman" panose="02020603050405020304" pitchFamily="18" charset="0"/>
+                <a:ea typeface="宋体" panose="02010600030101010101" pitchFamily="2" charset="-122"/>
+              </a:rPr>
+              <a:t>5</a:t>
+            </a:r>
+            <a:r>
               <a:rPr lang="en-US" altLang="zh-CN" sz="1800" kern="100" dirty="0">
                 <a:effectLst/>
                 <a:latin typeface="Times New Roman" panose="02020603050405020304" pitchFamily="18" charset="0"/>
                 <a:ea typeface="宋体" panose="02010600030101010101" pitchFamily="2" charset="-122"/>
               </a:rPr>
-              <a:t>8. </a:t>
-            </a:r>
-            <a:r>
-              <a:rPr lang="zh-CN" altLang="zh-CN" sz="1800" kern="100" dirty="0">
-                <a:effectLst/>
-                <a:latin typeface="Times New Roman" panose="02020603050405020304" pitchFamily="18" charset="0"/>
-                <a:ea typeface="宋体" panose="02010600030101010101" pitchFamily="2" charset="-122"/>
-              </a:rPr>
-              <a:t>用户对系统进行操作后，界面会实时更新相应的信息，以反映系统的最新状态。</a:t>
-            </a:r>
-          </a:p>
-          <a:p>
-            <a:pPr indent="266700" algn="just"/>
-            <a:r>
-              <a:rPr lang="en-US" altLang="zh-CN" sz="1800" kern="100" dirty="0">
-                <a:effectLst/>
-                <a:latin typeface="Times New Roman" panose="02020603050405020304" pitchFamily="18" charset="0"/>
-                <a:ea typeface="宋体" panose="02010600030101010101" pitchFamily="2" charset="-122"/>
-              </a:rPr>
-              <a:t>9. </a:t>
-            </a:r>
-            <a:r>
-              <a:rPr lang="zh-CN" altLang="zh-CN" sz="1800" kern="100" dirty="0">
-                <a:effectLst/>
-                <a:latin typeface="Times New Roman" panose="02020603050405020304" pitchFamily="18" charset="0"/>
-                <a:ea typeface="宋体" panose="02010600030101010101" pitchFamily="2" charset="-122"/>
-              </a:rPr>
-              <a:t>用户退出系统并关闭软件。</a:t>
-            </a:r>
+              <a:t>. </a:t>
+            </a:r>
+            <a:r>
+              <a:rPr lang="zh-CN" altLang="zh-CN" sz="1800" kern="100" dirty="0">
+                <a:effectLst/>
+                <a:latin typeface="Times New Roman" panose="02020603050405020304" pitchFamily="18" charset="0"/>
+                <a:ea typeface="宋体" panose="02010600030101010101" pitchFamily="2" charset="-122"/>
+              </a:rPr>
+              <a:t>用户退出系统并关闭软件</a:t>
+            </a:r>
+            <a:r>
+              <a:rPr lang="zh-CN" altLang="en-US" kern="100" dirty="0">
+                <a:latin typeface="Times New Roman" panose="02020603050405020304" pitchFamily="18" charset="0"/>
+                <a:ea typeface="宋体" panose="02010600030101010101" pitchFamily="2" charset="-122"/>
+              </a:rPr>
+              <a:t>。</a:t>
+            </a:r>
+            <a:endParaRPr lang="zh-CN" altLang="zh-CN" sz="1800" kern="100" dirty="0">
+              <a:effectLst/>
+              <a:latin typeface="Times New Roman" panose="02020603050405020304" pitchFamily="18" charset="0"/>
+              <a:ea typeface="宋体" panose="02010600030101010101" pitchFamily="2" charset="-122"/>
+            </a:endParaRPr>
           </a:p>
         </p:txBody>
       </p:sp>
@@ -9772,7 +10332,7 @@
         <p:spPr>
           <a:xfrm>
             <a:off x="1041869" y="2047971"/>
-            <a:ext cx="9925050" cy="3416320"/>
+            <a:ext cx="9925050" cy="3139321"/>
           </a:xfrm>
           <a:prstGeom prst="rect">
             <a:avLst/>
@@ -9793,12 +10353,36 @@
               </a:tabLst>
             </a:pPr>
             <a:r>
-              <a:rPr lang="zh-CN" altLang="zh-CN" sz="1800" kern="100" dirty="0">
-                <a:effectLst/>
-                <a:latin typeface="Times New Roman" panose="02020603050405020304" pitchFamily="18" charset="0"/>
-                <a:ea typeface="宋体" panose="02010600030101010101" pitchFamily="2" charset="-122"/>
-              </a:rPr>
-              <a:t>命令的输入方式 命令接口应该支持多种输入方式，包括命令行输入、脚本文件输入、图形界面输入等。用户可以根据自己的需求选择适合自己的输入方式。</a:t>
+              <a:rPr lang="zh-CN" altLang="zh-CN" sz="1800" b="1" kern="100" dirty="0">
+                <a:effectLst/>
+                <a:latin typeface="Times New Roman" panose="02020603050405020304" pitchFamily="18" charset="0"/>
+                <a:ea typeface="宋体" panose="02010600030101010101" pitchFamily="2" charset="-122"/>
+              </a:rPr>
+              <a:t>命令的输入方式 </a:t>
+            </a:r>
+            <a:r>
+              <a:rPr lang="zh-CN" altLang="zh-CN" sz="1800" kern="100" dirty="0">
+                <a:effectLst/>
+                <a:latin typeface="Times New Roman" panose="02020603050405020304" pitchFamily="18" charset="0"/>
+                <a:ea typeface="宋体" panose="02010600030101010101" pitchFamily="2" charset="-122"/>
+              </a:rPr>
+              <a:t>命令接口支持多种输入方式，包括</a:t>
+            </a:r>
+            <a:r>
+              <a:rPr lang="zh-CN" altLang="zh-CN" sz="1800" b="1" kern="100" dirty="0">
+                <a:effectLst/>
+                <a:latin typeface="Times New Roman" panose="02020603050405020304" pitchFamily="18" charset="0"/>
+                <a:ea typeface="宋体" panose="02010600030101010101" pitchFamily="2" charset="-122"/>
+              </a:rPr>
+              <a:t>命令行输入、脚本文件输入</a:t>
+            </a:r>
+            <a:r>
+              <a:rPr lang="zh-CN" altLang="zh-CN" sz="1800" kern="100" dirty="0">
+                <a:effectLst/>
+                <a:latin typeface="Times New Roman" panose="02020603050405020304" pitchFamily="18" charset="0"/>
+                <a:ea typeface="宋体" panose="02010600030101010101" pitchFamily="2" charset="-122"/>
+              </a:rPr>
+              <a:t>等。用户可以根据自己的需求选择适合自己的输入方式。</a:t>
             </a:r>
           </a:p>
           <a:p>
@@ -9810,12 +10394,36 @@
               </a:tabLst>
             </a:pPr>
             <a:r>
-              <a:rPr lang="zh-CN" altLang="zh-CN" sz="1800" kern="100" dirty="0">
-                <a:effectLst/>
-                <a:latin typeface="Times New Roman" panose="02020603050405020304" pitchFamily="18" charset="0"/>
-                <a:ea typeface="宋体" panose="02010600030101010101" pitchFamily="2" charset="-122"/>
-              </a:rPr>
-              <a:t>命令的解析方式 命令接口应该能够解析用户输入的命令，识别出命令的类型和参数，并根据命令的语法和语义执行相应的操作。例如，如果用户输入</a:t>
+              <a:rPr lang="zh-CN" altLang="zh-CN" sz="1800" b="1" kern="100" dirty="0">
+                <a:effectLst/>
+                <a:latin typeface="Times New Roman" panose="02020603050405020304" pitchFamily="18" charset="0"/>
+                <a:ea typeface="宋体" panose="02010600030101010101" pitchFamily="2" charset="-122"/>
+              </a:rPr>
+              <a:t>命令的解析方式 </a:t>
+            </a:r>
+            <a:r>
+              <a:rPr lang="zh-CN" altLang="zh-CN" sz="1800" kern="100" dirty="0">
+                <a:effectLst/>
+                <a:latin typeface="Times New Roman" panose="02020603050405020304" pitchFamily="18" charset="0"/>
+                <a:ea typeface="宋体" panose="02010600030101010101" pitchFamily="2" charset="-122"/>
+              </a:rPr>
+              <a:t>命令接口应该能够</a:t>
+            </a:r>
+            <a:r>
+              <a:rPr lang="zh-CN" altLang="zh-CN" sz="1800" b="1" kern="100" dirty="0">
+                <a:effectLst/>
+                <a:latin typeface="Times New Roman" panose="02020603050405020304" pitchFamily="18" charset="0"/>
+                <a:ea typeface="宋体" panose="02010600030101010101" pitchFamily="2" charset="-122"/>
+              </a:rPr>
+              <a:t>解析用户输入的命令，识别出命令的类型和参数</a:t>
+            </a:r>
+            <a:r>
+              <a:rPr lang="zh-CN" altLang="zh-CN" sz="1800" kern="100" dirty="0">
+                <a:effectLst/>
+                <a:latin typeface="Times New Roman" panose="02020603050405020304" pitchFamily="18" charset="0"/>
+                <a:ea typeface="宋体" panose="02010600030101010101" pitchFamily="2" charset="-122"/>
+              </a:rPr>
+              <a:t>，并根据命令的语法和语义执行相应的操作。例如，如果用户输入</a:t>
             </a:r>
             <a:r>
               <a:rPr lang="en-US" altLang="zh-CN" sz="1800" kern="100" dirty="0">
@@ -9907,13 +10515,42 @@
               </a:tabLst>
             </a:pPr>
             <a:r>
-              <a:rPr lang="zh-CN" altLang="zh-CN" sz="1800" kern="100" dirty="0">
-                <a:effectLst/>
-                <a:latin typeface="Times New Roman" panose="02020603050405020304" pitchFamily="18" charset="0"/>
-                <a:ea typeface="宋体" panose="02010600030101010101" pitchFamily="2" charset="-122"/>
-              </a:rPr>
-              <a:t>命令的输出方式 命令接口应该支持多种输出方式，包括命令行输出、文件输出、图形界面输出等。用户可以根据自己的需求选择适合自己的输出方式。同时，命令接口还应该支持输出格式的定制化，例如输出格式、输出颜色等等。</a:t>
-            </a:r>
+              <a:rPr lang="zh-CN" altLang="zh-CN" sz="1800" b="1" kern="100" dirty="0">
+                <a:effectLst/>
+                <a:latin typeface="Times New Roman" panose="02020603050405020304" pitchFamily="18" charset="0"/>
+                <a:ea typeface="宋体" panose="02010600030101010101" pitchFamily="2" charset="-122"/>
+              </a:rPr>
+              <a:t>命令的输出方式 </a:t>
+            </a:r>
+            <a:r>
+              <a:rPr lang="zh-CN" altLang="zh-CN" sz="1800" kern="100" dirty="0">
+                <a:effectLst/>
+                <a:latin typeface="Times New Roman" panose="02020603050405020304" pitchFamily="18" charset="0"/>
+                <a:ea typeface="宋体" panose="02010600030101010101" pitchFamily="2" charset="-122"/>
+              </a:rPr>
+              <a:t>命令接口应该支持多种输出方式，包括</a:t>
+            </a:r>
+            <a:r>
+              <a:rPr lang="zh-CN" altLang="zh-CN" sz="1800" b="1" kern="100" dirty="0">
+                <a:effectLst/>
+                <a:latin typeface="Times New Roman" panose="02020603050405020304" pitchFamily="18" charset="0"/>
+                <a:ea typeface="宋体" panose="02010600030101010101" pitchFamily="2" charset="-122"/>
+              </a:rPr>
+              <a:t>命令行输出、文件输出、图形界面输出</a:t>
+            </a:r>
+            <a:r>
+              <a:rPr lang="zh-CN" altLang="zh-CN" sz="1800" kern="100" dirty="0">
+                <a:effectLst/>
+                <a:latin typeface="Times New Roman" panose="02020603050405020304" pitchFamily="18" charset="0"/>
+                <a:ea typeface="宋体" panose="02010600030101010101" pitchFamily="2" charset="-122"/>
+              </a:rPr>
+              <a:t>等。用户可以根据自己的需求选择适合自己的输出方式。</a:t>
+            </a:r>
+            <a:endParaRPr lang="en-US" altLang="zh-CN" sz="1800" kern="100" dirty="0">
+              <a:effectLst/>
+              <a:latin typeface="Times New Roman" panose="02020603050405020304" pitchFamily="18" charset="0"/>
+              <a:ea typeface="宋体" panose="02010600030101010101" pitchFamily="2" charset="-122"/>
+            </a:endParaRPr>
           </a:p>
           <a:p>
             <a:pPr marL="342900" lvl="0" indent="-342900" algn="just">
@@ -9924,12 +10561,20 @@
               </a:tabLst>
             </a:pPr>
             <a:r>
-              <a:rPr lang="zh-CN" altLang="zh-CN" sz="1800" kern="100" dirty="0">
-                <a:effectLst/>
-                <a:latin typeface="Times New Roman" panose="02020603050405020304" pitchFamily="18" charset="0"/>
-                <a:ea typeface="宋体" panose="02010600030101010101" pitchFamily="2" charset="-122"/>
-              </a:rPr>
-              <a:t>命令的扩展性 命令接口应该具有良好的扩展性，以便用户可以自定义自己的命令。用户可以通过添加自己的脚本文件、插件、函数库等方式扩展命令接口，以满足自己的需求。</a:t>
+              <a:rPr lang="zh-CN" altLang="zh-CN" sz="1800" b="1" kern="100" dirty="0">
+                <a:effectLst/>
+                <a:latin typeface="Times New Roman" panose="02020603050405020304" pitchFamily="18" charset="0"/>
+                <a:ea typeface="宋体" panose="02010600030101010101" pitchFamily="2" charset="-122"/>
+              </a:rPr>
+              <a:t>命令的扩展性 </a:t>
+            </a:r>
+            <a:r>
+              <a:rPr lang="zh-CN" altLang="zh-CN" sz="1800" kern="100" dirty="0">
+                <a:effectLst/>
+                <a:latin typeface="Times New Roman" panose="02020603050405020304" pitchFamily="18" charset="0"/>
+                <a:ea typeface="宋体" panose="02010600030101010101" pitchFamily="2" charset="-122"/>
+              </a:rPr>
+              <a:t>命令接口应该具有良好的扩展性，以便用户可以自定义自己的命令。用户可以通过添加自己的脚本文件、插件、函数库等方式扩展命令接口，以满足自己的需求。</a:t>
             </a:r>
           </a:p>
           <a:p>
@@ -9941,12 +10586,52 @@
               </a:tabLst>
             </a:pPr>
             <a:r>
-              <a:rPr lang="zh-CN" altLang="zh-CN" sz="1800" kern="100" dirty="0">
-                <a:effectLst/>
-                <a:latin typeface="Times New Roman" panose="02020603050405020304" pitchFamily="18" charset="0"/>
-                <a:ea typeface="宋体" panose="02010600030101010101" pitchFamily="2" charset="-122"/>
-              </a:rPr>
-              <a:t>命令的权限控制 命令接口应该具有一定的权限控制机制，以确保只有授权用户才能执行敏感操作。例如，只有管理员才能执行删除文件、修改系统配置等操作。</a:t>
+              <a:rPr lang="zh-CN" altLang="zh-CN" sz="1800" b="1" kern="100" dirty="0">
+                <a:effectLst/>
+                <a:latin typeface="Times New Roman" panose="02020603050405020304" pitchFamily="18" charset="0"/>
+                <a:ea typeface="宋体" panose="02010600030101010101" pitchFamily="2" charset="-122"/>
+              </a:rPr>
+              <a:t>命令的权限控制 </a:t>
+            </a:r>
+            <a:r>
+              <a:rPr lang="zh-CN" altLang="zh-CN" sz="1800" kern="100" dirty="0">
+                <a:effectLst/>
+                <a:latin typeface="Times New Roman" panose="02020603050405020304" pitchFamily="18" charset="0"/>
+                <a:ea typeface="宋体" panose="02010600030101010101" pitchFamily="2" charset="-122"/>
+              </a:rPr>
+              <a:t>命令接口应该具有一定的</a:t>
+            </a:r>
+            <a:r>
+              <a:rPr lang="zh-CN" altLang="zh-CN" sz="1800" b="1" kern="100" dirty="0">
+                <a:effectLst/>
+                <a:latin typeface="Times New Roman" panose="02020603050405020304" pitchFamily="18" charset="0"/>
+                <a:ea typeface="宋体" panose="02010600030101010101" pitchFamily="2" charset="-122"/>
+              </a:rPr>
+              <a:t>权限控制机制</a:t>
+            </a:r>
+            <a:r>
+              <a:rPr lang="zh-CN" altLang="zh-CN" sz="1800" kern="100" dirty="0">
+                <a:effectLst/>
+                <a:latin typeface="Times New Roman" panose="02020603050405020304" pitchFamily="18" charset="0"/>
+                <a:ea typeface="宋体" panose="02010600030101010101" pitchFamily="2" charset="-122"/>
+              </a:rPr>
+              <a:t>，以确保</a:t>
+            </a:r>
+            <a:r>
+              <a:rPr lang="zh-CN" altLang="zh-CN" sz="1800" b="1" kern="100" dirty="0">
+                <a:effectLst/>
+                <a:latin typeface="Times New Roman" panose="02020603050405020304" pitchFamily="18" charset="0"/>
+                <a:ea typeface="宋体" panose="02010600030101010101" pitchFamily="2" charset="-122"/>
+              </a:rPr>
+              <a:t>只有授权用户</a:t>
+            </a:r>
+            <a:r>
+              <a:rPr lang="zh-CN" altLang="zh-CN" sz="1800" kern="100" dirty="0">
+                <a:effectLst/>
+                <a:latin typeface="Times New Roman" panose="02020603050405020304" pitchFamily="18" charset="0"/>
+                <a:ea typeface="宋体" panose="02010600030101010101" pitchFamily="2" charset="-122"/>
+              </a:rPr>
+              <a:t>才能执行敏感操作。例如，只有管理员才能执行删除文件、修改系统配置等操作。</a:t>
             </a:r>
           </a:p>
         </p:txBody>
